--- a/prompt_engineering/pe-2-techniques.pptx
+++ b/prompt_engineering/pe-2-techniques.pptx
@@ -5,11 +5,30 @@
     <p:sldMasterId id="2147483648" r:id="rId1"/>
   </p:sldMasterIdLst>
   <p:handoutMasterIdLst>
-    <p:handoutMasterId r:id="rId4"/>
+    <p:handoutMasterId r:id="rId23"/>
   </p:handoutMasterIdLst>
   <p:sldIdLst>
     <p:sldId id="257" r:id="rId2"/>
     <p:sldId id="258" r:id="rId3"/>
+    <p:sldId id="259" r:id="rId4"/>
+    <p:sldId id="260" r:id="rId5"/>
+    <p:sldId id="261" r:id="rId6"/>
+    <p:sldId id="277" r:id="rId7"/>
+    <p:sldId id="262" r:id="rId8"/>
+    <p:sldId id="263" r:id="rId9"/>
+    <p:sldId id="264" r:id="rId10"/>
+    <p:sldId id="265" r:id="rId11"/>
+    <p:sldId id="275" r:id="rId12"/>
+    <p:sldId id="276" r:id="rId13"/>
+    <p:sldId id="266" r:id="rId14"/>
+    <p:sldId id="267" r:id="rId15"/>
+    <p:sldId id="268" r:id="rId16"/>
+    <p:sldId id="270" r:id="rId17"/>
+    <p:sldId id="271" r:id="rId18"/>
+    <p:sldId id="273" r:id="rId19"/>
+    <p:sldId id="274" r:id="rId20"/>
+    <p:sldId id="272" r:id="rId21"/>
+    <p:sldId id="269" r:id="rId22"/>
   </p:sldIdLst>
   <p:sldSz cx="12192000" cy="6858000"/>
   <p:notesSz cx="6858000" cy="9144000"/>
@@ -3740,6 +3759,2157 @@
 </p:sld>
 </file>
 
+<file path=ppt/slides/slide10.xml><?xml version="1.0" encoding="utf-8"?>
+<p:sld xmlns:a="http://schemas.openxmlformats.org/drawingml/2006/main" xmlns:r="http://schemas.openxmlformats.org/officeDocument/2006/relationships" xmlns:p="http://schemas.openxmlformats.org/presentationml/2006/main">
+  <p:cSld>
+    <p:spTree>
+      <p:nvGrpSpPr>
+        <p:cNvPr id="1" name="">
+          <a:extLst>
+            <a:ext uri="{FF2B5EF4-FFF2-40B4-BE49-F238E27FC236}">
+              <a16:creationId xmlns:a16="http://schemas.microsoft.com/office/drawing/2014/main" id="{E482E8BC-FE13-8DBD-F6CA-A2F88B43DC9C}"/>
+            </a:ext>
+          </a:extLst>
+        </p:cNvPr>
+        <p:cNvGrpSpPr/>
+        <p:nvPr/>
+      </p:nvGrpSpPr>
+      <p:grpSpPr>
+        <a:xfrm>
+          <a:off x="0" y="0"/>
+          <a:ext cx="0" cy="0"/>
+          <a:chOff x="0" y="0"/>
+          <a:chExt cx="0" cy="0"/>
+        </a:xfrm>
+      </p:grpSpPr>
+      <p:sp>
+        <p:nvSpPr>
+          <p:cNvPr id="4" name="TextBox 3">
+            <a:extLst>
+              <a:ext uri="{FF2B5EF4-FFF2-40B4-BE49-F238E27FC236}">
+                <a16:creationId xmlns:a16="http://schemas.microsoft.com/office/drawing/2014/main" id="{EBC16BFF-EDC8-05EB-8AE6-D8690745D06E}"/>
+              </a:ext>
+            </a:extLst>
+          </p:cNvPr>
+          <p:cNvSpPr txBox="1"/>
+          <p:nvPr/>
+        </p:nvSpPr>
+        <p:spPr>
+          <a:xfrm>
+            <a:off x="182880" y="312874"/>
+            <a:ext cx="11713464" cy="4893647"/>
+          </a:xfrm>
+          <a:prstGeom prst="rect">
+            <a:avLst/>
+          </a:prstGeom>
+          <a:noFill/>
+        </p:spPr>
+        <p:txBody>
+          <a:bodyPr wrap="square">
+            <a:spAutoFit/>
+          </a:bodyPr>
+          <a:lstStyle/>
+          <a:p>
+            <a:r>
+              <a:rPr lang="en-US" sz="2400" b="1" dirty="0">
+                <a:solidFill>
+                  <a:schemeClr val="accent6">
+                    <a:lumMod val="60000"/>
+                    <a:lumOff val="40000"/>
+                  </a:schemeClr>
+                </a:solidFill>
+              </a:rPr>
+              <a:t>Example With Chain-of-Thought</a:t>
+            </a:r>
+          </a:p>
+          <a:p>
+            <a:endParaRPr lang="en-US" sz="2400" dirty="0">
+              <a:solidFill>
+                <a:schemeClr val="accent6">
+                  <a:lumMod val="60000"/>
+                  <a:lumOff val="40000"/>
+                </a:schemeClr>
+              </a:solidFill>
+            </a:endParaRPr>
+          </a:p>
+          <a:p>
+            <a:r>
+              <a:rPr lang="en-US" sz="2400" dirty="0">
+                <a:solidFill>
+                  <a:schemeClr val="accent6">
+                    <a:lumMod val="60000"/>
+                    <a:lumOff val="40000"/>
+                  </a:schemeClr>
+                </a:solidFill>
+              </a:rPr>
+              <a:t>Prompt:</a:t>
+            </a:r>
+          </a:p>
+          <a:p>
+            <a:r>
+              <a:rPr lang="en-US" sz="2400" dirty="0">
+                <a:solidFill>
+                  <a:schemeClr val="accent6">
+                    <a:lumMod val="60000"/>
+                    <a:lumOff val="40000"/>
+                  </a:schemeClr>
+                </a:solidFill>
+              </a:rPr>
+              <a:t>Solve the problem </a:t>
+            </a:r>
+            <a:r>
+              <a:rPr lang="en-US" sz="2400" b="1" dirty="0">
+                <a:solidFill>
+                  <a:schemeClr val="accent6">
+                    <a:lumMod val="60000"/>
+                    <a:lumOff val="40000"/>
+                  </a:schemeClr>
+                </a:solidFill>
+              </a:rPr>
+              <a:t>step-by-step.</a:t>
+            </a:r>
+          </a:p>
+          <a:p>
+            <a:r>
+              <a:rPr lang="en-US" sz="2400" dirty="0">
+                <a:solidFill>
+                  <a:schemeClr val="accent6">
+                    <a:lumMod val="60000"/>
+                    <a:lumOff val="40000"/>
+                  </a:schemeClr>
+                </a:solidFill>
+              </a:rPr>
+              <a:t> If a train travels 60 km in 1 hour, how far will it travel in 3 hours?</a:t>
+            </a:r>
+          </a:p>
+          <a:p>
+            <a:endParaRPr lang="en-US" sz="2400" dirty="0">
+              <a:solidFill>
+                <a:schemeClr val="accent6">
+                  <a:lumMod val="60000"/>
+                  <a:lumOff val="40000"/>
+                </a:schemeClr>
+              </a:solidFill>
+            </a:endParaRPr>
+          </a:p>
+          <a:p>
+            <a:endParaRPr lang="en-US" sz="2400" dirty="0">
+              <a:solidFill>
+                <a:schemeClr val="accent6">
+                  <a:lumMod val="60000"/>
+                  <a:lumOff val="40000"/>
+                </a:schemeClr>
+              </a:solidFill>
+            </a:endParaRPr>
+          </a:p>
+          <a:p>
+            <a:r>
+              <a:rPr lang="en-US" sz="2400" dirty="0">
+                <a:solidFill>
+                  <a:schemeClr val="accent6">
+                    <a:lumMod val="60000"/>
+                    <a:lumOff val="40000"/>
+                  </a:schemeClr>
+                </a:solidFill>
+              </a:rPr>
+              <a:t>AI Output:</a:t>
+            </a:r>
+          </a:p>
+          <a:p>
+            <a:r>
+              <a:rPr lang="en-US" sz="2400" dirty="0">
+                <a:solidFill>
+                  <a:schemeClr val="accent6">
+                    <a:lumMod val="60000"/>
+                    <a:lumOff val="40000"/>
+                  </a:schemeClr>
+                </a:solidFill>
+              </a:rPr>
+              <a:t>Step 1: Distance covered in 1 hour = 60 km</a:t>
+            </a:r>
+          </a:p>
+          <a:p>
+            <a:r>
+              <a:rPr lang="en-US" sz="2400" dirty="0">
+                <a:solidFill>
+                  <a:schemeClr val="accent6">
+                    <a:lumMod val="60000"/>
+                    <a:lumOff val="40000"/>
+                  </a:schemeClr>
+                </a:solidFill>
+              </a:rPr>
+              <a:t>Step 2: Total time = 3 hours</a:t>
+            </a:r>
+          </a:p>
+          <a:p>
+            <a:r>
+              <a:rPr lang="en-US" sz="2400" dirty="0">
+                <a:solidFill>
+                  <a:schemeClr val="accent6">
+                    <a:lumMod val="60000"/>
+                    <a:lumOff val="40000"/>
+                  </a:schemeClr>
+                </a:solidFill>
+              </a:rPr>
+              <a:t>Step 3: Total distance = 60 × 3</a:t>
+            </a:r>
+          </a:p>
+          <a:p>
+            <a:endParaRPr lang="en-US" sz="2400" dirty="0">
+              <a:solidFill>
+                <a:schemeClr val="accent6">
+                  <a:lumMod val="60000"/>
+                  <a:lumOff val="40000"/>
+                </a:schemeClr>
+              </a:solidFill>
+            </a:endParaRPr>
+          </a:p>
+          <a:p>
+            <a:r>
+              <a:rPr lang="en-US" sz="2400" dirty="0">
+                <a:solidFill>
+                  <a:schemeClr val="accent6">
+                    <a:lumMod val="60000"/>
+                    <a:lumOff val="40000"/>
+                  </a:schemeClr>
+                </a:solidFill>
+              </a:rPr>
+              <a:t>Final Answer: 180 km</a:t>
+            </a:r>
+          </a:p>
+        </p:txBody>
+      </p:sp>
+    </p:spTree>
+    <p:extLst>
+      <p:ext uri="{BB962C8B-B14F-4D97-AF65-F5344CB8AC3E}">
+        <p14:creationId xmlns:p14="http://schemas.microsoft.com/office/powerpoint/2010/main" val="1924282136"/>
+      </p:ext>
+    </p:extLst>
+  </p:cSld>
+  <p:clrMapOvr>
+    <a:masterClrMapping/>
+  </p:clrMapOvr>
+</p:sld>
+</file>
+
+<file path=ppt/slides/slide11.xml><?xml version="1.0" encoding="utf-8"?>
+<p:sld xmlns:a="http://schemas.openxmlformats.org/drawingml/2006/main" xmlns:r="http://schemas.openxmlformats.org/officeDocument/2006/relationships" xmlns:p="http://schemas.openxmlformats.org/presentationml/2006/main">
+  <p:cSld>
+    <p:spTree>
+      <p:nvGrpSpPr>
+        <p:cNvPr id="1" name="">
+          <a:extLst>
+            <a:ext uri="{FF2B5EF4-FFF2-40B4-BE49-F238E27FC236}">
+              <a16:creationId xmlns:a16="http://schemas.microsoft.com/office/drawing/2014/main" id="{6C4AD66E-4735-F0B2-FD16-5C2E583EFBA7}"/>
+            </a:ext>
+          </a:extLst>
+        </p:cNvPr>
+        <p:cNvGrpSpPr/>
+        <p:nvPr/>
+      </p:nvGrpSpPr>
+      <p:grpSpPr>
+        <a:xfrm>
+          <a:off x="0" y="0"/>
+          <a:ext cx="0" cy="0"/>
+          <a:chOff x="0" y="0"/>
+          <a:chExt cx="0" cy="0"/>
+        </a:xfrm>
+      </p:grpSpPr>
+      <p:sp>
+        <p:nvSpPr>
+          <p:cNvPr id="4" name="TextBox 3">
+            <a:extLst>
+              <a:ext uri="{FF2B5EF4-FFF2-40B4-BE49-F238E27FC236}">
+                <a16:creationId xmlns:a16="http://schemas.microsoft.com/office/drawing/2014/main" id="{F5E8A084-C1C2-60E7-9A69-234F3B4E8DF9}"/>
+              </a:ext>
+            </a:extLst>
+          </p:cNvPr>
+          <p:cNvSpPr txBox="1"/>
+          <p:nvPr/>
+        </p:nvSpPr>
+        <p:spPr>
+          <a:xfrm>
+            <a:off x="182880" y="312874"/>
+            <a:ext cx="11713464" cy="3416320"/>
+          </a:xfrm>
+          <a:prstGeom prst="rect">
+            <a:avLst/>
+          </a:prstGeom>
+          <a:noFill/>
+        </p:spPr>
+        <p:txBody>
+          <a:bodyPr wrap="square">
+            <a:spAutoFit/>
+          </a:bodyPr>
+          <a:lstStyle/>
+          <a:p>
+            <a:r>
+              <a:rPr lang="en-US" sz="2400" b="1" dirty="0">
+                <a:solidFill>
+                  <a:schemeClr val="accent6">
+                    <a:lumMod val="60000"/>
+                    <a:lumOff val="40000"/>
+                  </a:schemeClr>
+                </a:solidFill>
+              </a:rPr>
+              <a:t>Example With Chain-of-Thought</a:t>
+            </a:r>
+          </a:p>
+          <a:p>
+            <a:endParaRPr lang="en-US" sz="2400" dirty="0">
+              <a:solidFill>
+                <a:schemeClr val="accent6">
+                  <a:lumMod val="60000"/>
+                  <a:lumOff val="40000"/>
+                </a:schemeClr>
+              </a:solidFill>
+            </a:endParaRPr>
+          </a:p>
+          <a:p>
+            <a:r>
+              <a:rPr lang="en-US" sz="2400" dirty="0">
+                <a:solidFill>
+                  <a:schemeClr val="accent6">
+                    <a:lumMod val="60000"/>
+                    <a:lumOff val="40000"/>
+                  </a:schemeClr>
+                </a:solidFill>
+              </a:rPr>
+              <a:t>Without COT Prompt:</a:t>
+            </a:r>
+          </a:p>
+          <a:p>
+            <a:endParaRPr lang="en-US" sz="2400" dirty="0">
+              <a:solidFill>
+                <a:schemeClr val="accent6">
+                  <a:lumMod val="60000"/>
+                  <a:lumOff val="40000"/>
+                </a:schemeClr>
+              </a:solidFill>
+            </a:endParaRPr>
+          </a:p>
+          <a:p>
+            <a:r>
+              <a:rPr lang="en-US" sz="2400" dirty="0">
+                <a:solidFill>
+                  <a:schemeClr val="accent6">
+                    <a:lumMod val="60000"/>
+                    <a:lumOff val="40000"/>
+                  </a:schemeClr>
+                </a:solidFill>
+              </a:rPr>
+              <a:t>"I have 10 apples. I give 2 to a neighbor and 2 to a repairman. Then I buy 5 more and eat 1. How many do I have left?“</a:t>
+            </a:r>
+          </a:p>
+          <a:p>
+            <a:endParaRPr lang="en-US" sz="2400" dirty="0">
+              <a:solidFill>
+                <a:schemeClr val="accent6">
+                  <a:lumMod val="60000"/>
+                  <a:lumOff val="40000"/>
+                </a:schemeClr>
+              </a:solidFill>
+            </a:endParaRPr>
+          </a:p>
+          <a:p>
+            <a:endParaRPr lang="en-US" sz="2400" dirty="0">
+              <a:solidFill>
+                <a:schemeClr val="accent6">
+                  <a:lumMod val="60000"/>
+                  <a:lumOff val="40000"/>
+                </a:schemeClr>
+              </a:solidFill>
+            </a:endParaRPr>
+          </a:p>
+          <a:p>
+            <a:r>
+              <a:rPr lang="en-US" sz="2400" dirty="0">
+                <a:solidFill>
+                  <a:schemeClr val="accent6">
+                    <a:lumMod val="60000"/>
+                    <a:lumOff val="40000"/>
+                  </a:schemeClr>
+                </a:solidFill>
+              </a:rPr>
+              <a:t>Typical AI Response: "You have 11 apples." (Incorrect; often occurs when models skip steps) </a:t>
+            </a:r>
+          </a:p>
+        </p:txBody>
+      </p:sp>
+    </p:spTree>
+    <p:extLst>
+      <p:ext uri="{BB962C8B-B14F-4D97-AF65-F5344CB8AC3E}">
+        <p14:creationId xmlns:p14="http://schemas.microsoft.com/office/powerpoint/2010/main" val="1705216718"/>
+      </p:ext>
+    </p:extLst>
+  </p:cSld>
+  <p:clrMapOvr>
+    <a:masterClrMapping/>
+  </p:clrMapOvr>
+</p:sld>
+</file>
+
+<file path=ppt/slides/slide12.xml><?xml version="1.0" encoding="utf-8"?>
+<p:sld xmlns:a="http://schemas.openxmlformats.org/drawingml/2006/main" xmlns:r="http://schemas.openxmlformats.org/officeDocument/2006/relationships" xmlns:p="http://schemas.openxmlformats.org/presentationml/2006/main">
+  <p:cSld>
+    <p:spTree>
+      <p:nvGrpSpPr>
+        <p:cNvPr id="1" name="">
+          <a:extLst>
+            <a:ext uri="{FF2B5EF4-FFF2-40B4-BE49-F238E27FC236}">
+              <a16:creationId xmlns:a16="http://schemas.microsoft.com/office/drawing/2014/main" id="{AFB828E2-B714-E3DC-B4B9-C5A276C32E52}"/>
+            </a:ext>
+          </a:extLst>
+        </p:cNvPr>
+        <p:cNvGrpSpPr/>
+        <p:nvPr/>
+      </p:nvGrpSpPr>
+      <p:grpSpPr>
+        <a:xfrm>
+          <a:off x="0" y="0"/>
+          <a:ext cx="0" cy="0"/>
+          <a:chOff x="0" y="0"/>
+          <a:chExt cx="0" cy="0"/>
+        </a:xfrm>
+      </p:grpSpPr>
+      <p:sp>
+        <p:nvSpPr>
+          <p:cNvPr id="4" name="TextBox 3">
+            <a:extLst>
+              <a:ext uri="{FF2B5EF4-FFF2-40B4-BE49-F238E27FC236}">
+                <a16:creationId xmlns:a16="http://schemas.microsoft.com/office/drawing/2014/main" id="{37F0E350-AE08-2071-0515-5F146B18A8FD}"/>
+              </a:ext>
+            </a:extLst>
+          </p:cNvPr>
+          <p:cNvSpPr txBox="1"/>
+          <p:nvPr/>
+        </p:nvSpPr>
+        <p:spPr>
+          <a:xfrm>
+            <a:off x="182880" y="312874"/>
+            <a:ext cx="11713464" cy="5632311"/>
+          </a:xfrm>
+          <a:prstGeom prst="rect">
+            <a:avLst/>
+          </a:prstGeom>
+          <a:noFill/>
+        </p:spPr>
+        <p:txBody>
+          <a:bodyPr wrap="square">
+            <a:spAutoFit/>
+          </a:bodyPr>
+          <a:lstStyle/>
+          <a:p>
+            <a:r>
+              <a:rPr lang="en-US" sz="2400" b="1" dirty="0">
+                <a:solidFill>
+                  <a:schemeClr val="accent6">
+                    <a:lumMod val="60000"/>
+                    <a:lumOff val="40000"/>
+                  </a:schemeClr>
+                </a:solidFill>
+              </a:rPr>
+              <a:t>Example With Chain-of-Thought</a:t>
+            </a:r>
+          </a:p>
+          <a:p>
+            <a:endParaRPr lang="en-US" sz="2400" dirty="0">
+              <a:solidFill>
+                <a:schemeClr val="accent6">
+                  <a:lumMod val="60000"/>
+                  <a:lumOff val="40000"/>
+                </a:schemeClr>
+              </a:solidFill>
+            </a:endParaRPr>
+          </a:p>
+          <a:p>
+            <a:r>
+              <a:rPr lang="en-US" sz="2400" dirty="0">
+                <a:solidFill>
+                  <a:schemeClr val="accent6">
+                    <a:lumMod val="60000"/>
+                    <a:lumOff val="40000"/>
+                  </a:schemeClr>
+                </a:solidFill>
+              </a:rPr>
+              <a:t>With COT Prompt:</a:t>
+            </a:r>
+          </a:p>
+          <a:p>
+            <a:endParaRPr lang="en-US" sz="2400" dirty="0">
+              <a:solidFill>
+                <a:schemeClr val="accent6">
+                  <a:lumMod val="60000"/>
+                  <a:lumOff val="40000"/>
+                </a:schemeClr>
+              </a:solidFill>
+            </a:endParaRPr>
+          </a:p>
+          <a:p>
+            <a:r>
+              <a:rPr lang="en-US" sz="2400" dirty="0">
+                <a:solidFill>
+                  <a:schemeClr val="accent6">
+                    <a:lumMod val="60000"/>
+                    <a:lumOff val="40000"/>
+                  </a:schemeClr>
+                </a:solidFill>
+              </a:rPr>
+              <a:t>"I have 10 apples. I give 2 to a neighbor and 2 to a repairman. Then I buy 5 more and eat 1. How many do I have left? </a:t>
+            </a:r>
+            <a:r>
+              <a:rPr lang="en-US" sz="2400" b="1" dirty="0">
+                <a:solidFill>
+                  <a:schemeClr val="accent6">
+                    <a:lumMod val="60000"/>
+                    <a:lumOff val="40000"/>
+                  </a:schemeClr>
+                </a:solidFill>
+              </a:rPr>
+              <a:t>Let's think step by step.</a:t>
+            </a:r>
+            <a:r>
+              <a:rPr lang="en-US" sz="2400" dirty="0">
+                <a:solidFill>
+                  <a:schemeClr val="accent6">
+                    <a:lumMod val="60000"/>
+                    <a:lumOff val="40000"/>
+                  </a:schemeClr>
+                </a:solidFill>
+              </a:rPr>
+              <a:t>"</a:t>
+            </a:r>
+          </a:p>
+          <a:p>
+            <a:endParaRPr lang="en-US" sz="2400" dirty="0">
+              <a:solidFill>
+                <a:schemeClr val="accent6">
+                  <a:lumMod val="60000"/>
+                  <a:lumOff val="40000"/>
+                </a:schemeClr>
+              </a:solidFill>
+            </a:endParaRPr>
+          </a:p>
+          <a:p>
+            <a:endParaRPr lang="en-US" sz="2400" dirty="0">
+              <a:solidFill>
+                <a:schemeClr val="accent6">
+                  <a:lumMod val="60000"/>
+                  <a:lumOff val="40000"/>
+                </a:schemeClr>
+              </a:solidFill>
+            </a:endParaRPr>
+          </a:p>
+          <a:p>
+            <a:r>
+              <a:rPr lang="en-US" sz="2400" dirty="0">
+                <a:solidFill>
+                  <a:schemeClr val="accent6">
+                    <a:lumMod val="60000"/>
+                    <a:lumOff val="40000"/>
+                  </a:schemeClr>
+                </a:solidFill>
+              </a:rPr>
+              <a:t>Typical AI Response:</a:t>
+            </a:r>
+          </a:p>
+          <a:p>
+            <a:r>
+              <a:rPr lang="en-US" sz="2400" dirty="0">
+                <a:solidFill>
+                  <a:schemeClr val="accent6">
+                    <a:lumMod val="60000"/>
+                    <a:lumOff val="40000"/>
+                  </a:schemeClr>
+                </a:solidFill>
+              </a:rPr>
+              <a:t>Step1: You started with 10 apples.</a:t>
+            </a:r>
+          </a:p>
+          <a:p>
+            <a:r>
+              <a:rPr lang="en-US" sz="2400" dirty="0">
+                <a:solidFill>
+                  <a:schemeClr val="accent6">
+                    <a:lumMod val="60000"/>
+                    <a:lumOff val="40000"/>
+                  </a:schemeClr>
+                </a:solidFill>
+              </a:rPr>
+              <a:t>Step2:  You gave away 2 to the neighbor and 2 to the repairman (10 - 4 = 6 apples left).</a:t>
+            </a:r>
+          </a:p>
+          <a:p>
+            <a:r>
+              <a:rPr lang="en-US" sz="2400" dirty="0">
+                <a:solidFill>
+                  <a:schemeClr val="accent6">
+                    <a:lumMod val="60000"/>
+                    <a:lumOff val="40000"/>
+                  </a:schemeClr>
+                </a:solidFill>
+              </a:rPr>
+              <a:t>Step3: You bought 5 more (6 + 5 = 11 apples).</a:t>
+            </a:r>
+          </a:p>
+          <a:p>
+            <a:r>
+              <a:rPr lang="en-US" sz="2400" dirty="0">
+                <a:solidFill>
+                  <a:schemeClr val="accent6">
+                    <a:lumMod val="60000"/>
+                    <a:lumOff val="40000"/>
+                  </a:schemeClr>
+                </a:solidFill>
+              </a:rPr>
+              <a:t>Step4: You ate 1 (11 - 1 = 10 apples).</a:t>
+            </a:r>
+          </a:p>
+          <a:p>
+            <a:endParaRPr lang="en-US" sz="2400" dirty="0">
+              <a:solidFill>
+                <a:schemeClr val="accent6">
+                  <a:lumMod val="60000"/>
+                  <a:lumOff val="40000"/>
+                </a:schemeClr>
+              </a:solidFill>
+            </a:endParaRPr>
+          </a:p>
+          <a:p>
+            <a:r>
+              <a:rPr lang="en-US" sz="2400" dirty="0">
+                <a:solidFill>
+                  <a:schemeClr val="accent6">
+                    <a:lumMod val="60000"/>
+                    <a:lumOff val="40000"/>
+                  </a:schemeClr>
+                </a:solidFill>
+              </a:rPr>
+              <a:t>Final Answer: 10 apples.</a:t>
+            </a:r>
+          </a:p>
+        </p:txBody>
+      </p:sp>
+    </p:spTree>
+    <p:extLst>
+      <p:ext uri="{BB962C8B-B14F-4D97-AF65-F5344CB8AC3E}">
+        <p14:creationId xmlns:p14="http://schemas.microsoft.com/office/powerpoint/2010/main" val="691901311"/>
+      </p:ext>
+    </p:extLst>
+  </p:cSld>
+  <p:clrMapOvr>
+    <a:masterClrMapping/>
+  </p:clrMapOvr>
+</p:sld>
+</file>
+
+<file path=ppt/slides/slide13.xml><?xml version="1.0" encoding="utf-8"?>
+<p:sld xmlns:a="http://schemas.openxmlformats.org/drawingml/2006/main" xmlns:r="http://schemas.openxmlformats.org/officeDocument/2006/relationships" xmlns:p="http://schemas.openxmlformats.org/presentationml/2006/main">
+  <p:cSld>
+    <p:spTree>
+      <p:nvGrpSpPr>
+        <p:cNvPr id="1" name="">
+          <a:extLst>
+            <a:ext uri="{FF2B5EF4-FFF2-40B4-BE49-F238E27FC236}">
+              <a16:creationId xmlns:a16="http://schemas.microsoft.com/office/drawing/2014/main" id="{6520DAB8-1196-1DFF-6862-48D6BE6CB5B6}"/>
+            </a:ext>
+          </a:extLst>
+        </p:cNvPr>
+        <p:cNvGrpSpPr/>
+        <p:nvPr/>
+      </p:nvGrpSpPr>
+      <p:grpSpPr>
+        <a:xfrm>
+          <a:off x="0" y="0"/>
+          <a:ext cx="0" cy="0"/>
+          <a:chOff x="0" y="0"/>
+          <a:chExt cx="0" cy="0"/>
+        </a:xfrm>
+      </p:grpSpPr>
+      <p:sp>
+        <p:nvSpPr>
+          <p:cNvPr id="4" name="TextBox 3">
+            <a:extLst>
+              <a:ext uri="{FF2B5EF4-FFF2-40B4-BE49-F238E27FC236}">
+                <a16:creationId xmlns:a16="http://schemas.microsoft.com/office/drawing/2014/main" id="{0CD6C9A4-7859-7A75-4849-6F8954B1F027}"/>
+              </a:ext>
+            </a:extLst>
+          </p:cNvPr>
+          <p:cNvSpPr txBox="1"/>
+          <p:nvPr/>
+        </p:nvSpPr>
+        <p:spPr>
+          <a:xfrm>
+            <a:off x="182880" y="312874"/>
+            <a:ext cx="11713464" cy="2677656"/>
+          </a:xfrm>
+          <a:prstGeom prst="rect">
+            <a:avLst/>
+          </a:prstGeom>
+          <a:noFill/>
+        </p:spPr>
+        <p:txBody>
+          <a:bodyPr wrap="square">
+            <a:spAutoFit/>
+          </a:bodyPr>
+          <a:lstStyle/>
+          <a:p>
+            <a:r>
+              <a:rPr lang="en-US" sz="2400" b="1" dirty="0">
+                <a:solidFill>
+                  <a:schemeClr val="accent6">
+                    <a:lumMod val="60000"/>
+                    <a:lumOff val="40000"/>
+                  </a:schemeClr>
+                </a:solidFill>
+              </a:rPr>
+              <a:t>Powerful </a:t>
+            </a:r>
+            <a:r>
+              <a:rPr lang="en-US" sz="2400" b="1" dirty="0" err="1">
+                <a:solidFill>
+                  <a:schemeClr val="accent6">
+                    <a:lumMod val="60000"/>
+                    <a:lumOff val="40000"/>
+                  </a:schemeClr>
+                </a:solidFill>
+              </a:rPr>
+              <a:t>CoT</a:t>
+            </a:r>
+            <a:r>
+              <a:rPr lang="en-US" sz="2400" b="1" dirty="0">
+                <a:solidFill>
+                  <a:schemeClr val="accent6">
+                    <a:lumMod val="60000"/>
+                    <a:lumOff val="40000"/>
+                  </a:schemeClr>
+                </a:solidFill>
+              </a:rPr>
+              <a:t> Keywords</a:t>
+            </a:r>
+          </a:p>
+          <a:p>
+            <a:endParaRPr lang="en-US" sz="2400" dirty="0">
+              <a:solidFill>
+                <a:schemeClr val="accent6">
+                  <a:lumMod val="60000"/>
+                  <a:lumOff val="40000"/>
+                </a:schemeClr>
+              </a:solidFill>
+            </a:endParaRPr>
+          </a:p>
+          <a:p>
+            <a:r>
+              <a:rPr lang="en-US" sz="2400" dirty="0">
+                <a:solidFill>
+                  <a:schemeClr val="accent6">
+                    <a:lumMod val="60000"/>
+                    <a:lumOff val="40000"/>
+                  </a:schemeClr>
+                </a:solidFill>
+              </a:rPr>
+              <a:t>You can force reasoning by adding phrases such as:</a:t>
+            </a:r>
+          </a:p>
+          <a:p>
+            <a:pPr marL="342900" lvl="0" indent="-342900">
+              <a:buFont typeface="Arial" panose="020B0604020202020204" pitchFamily="34" charset="0"/>
+              <a:buChar char="•"/>
+            </a:pPr>
+            <a:r>
+              <a:rPr lang="en-US" sz="2400" dirty="0">
+                <a:solidFill>
+                  <a:schemeClr val="accent6">
+                    <a:lumMod val="60000"/>
+                    <a:lumOff val="40000"/>
+                  </a:schemeClr>
+                </a:solidFill>
+              </a:rPr>
+              <a:t>“Explain step-by-step”</a:t>
+            </a:r>
+          </a:p>
+          <a:p>
+            <a:pPr marL="342900" lvl="0" indent="-342900">
+              <a:buFont typeface="Arial" panose="020B0604020202020204" pitchFamily="34" charset="0"/>
+              <a:buChar char="•"/>
+            </a:pPr>
+            <a:r>
+              <a:rPr lang="en-US" sz="2400" dirty="0">
+                <a:solidFill>
+                  <a:schemeClr val="accent6">
+                    <a:lumMod val="60000"/>
+                    <a:lumOff val="40000"/>
+                  </a:schemeClr>
+                </a:solidFill>
+              </a:rPr>
+              <a:t>“Show your reasoning”</a:t>
+            </a:r>
+          </a:p>
+          <a:p>
+            <a:pPr marL="342900" lvl="0" indent="-342900">
+              <a:buFont typeface="Arial" panose="020B0604020202020204" pitchFamily="34" charset="0"/>
+              <a:buChar char="•"/>
+            </a:pPr>
+            <a:r>
+              <a:rPr lang="en-US" sz="2400" dirty="0">
+                <a:solidFill>
+                  <a:schemeClr val="accent6">
+                    <a:lumMod val="60000"/>
+                    <a:lumOff val="40000"/>
+                  </a:schemeClr>
+                </a:solidFill>
+              </a:rPr>
+              <a:t>“Break the solution into steps”</a:t>
+            </a:r>
+          </a:p>
+          <a:p>
+            <a:pPr marL="342900" lvl="0" indent="-342900">
+              <a:buFont typeface="Arial" panose="020B0604020202020204" pitchFamily="34" charset="0"/>
+              <a:buChar char="•"/>
+            </a:pPr>
+            <a:r>
+              <a:rPr lang="en-US" sz="2400" dirty="0">
+                <a:solidFill>
+                  <a:schemeClr val="accent6">
+                    <a:lumMod val="60000"/>
+                    <a:lumOff val="40000"/>
+                  </a:schemeClr>
+                </a:solidFill>
+              </a:rPr>
+              <a:t>“Think through the problem logically”</a:t>
+            </a:r>
+          </a:p>
+        </p:txBody>
+      </p:sp>
+    </p:spTree>
+    <p:extLst>
+      <p:ext uri="{BB962C8B-B14F-4D97-AF65-F5344CB8AC3E}">
+        <p14:creationId xmlns:p14="http://schemas.microsoft.com/office/powerpoint/2010/main" val="3876379789"/>
+      </p:ext>
+    </p:extLst>
+  </p:cSld>
+  <p:clrMapOvr>
+    <a:masterClrMapping/>
+  </p:clrMapOvr>
+</p:sld>
+</file>
+
+<file path=ppt/slides/slide14.xml><?xml version="1.0" encoding="utf-8"?>
+<p:sld xmlns:a="http://schemas.openxmlformats.org/drawingml/2006/main" xmlns:r="http://schemas.openxmlformats.org/officeDocument/2006/relationships" xmlns:p="http://schemas.openxmlformats.org/presentationml/2006/main">
+  <p:cSld>
+    <p:spTree>
+      <p:nvGrpSpPr>
+        <p:cNvPr id="1" name="">
+          <a:extLst>
+            <a:ext uri="{FF2B5EF4-FFF2-40B4-BE49-F238E27FC236}">
+              <a16:creationId xmlns:a16="http://schemas.microsoft.com/office/drawing/2014/main" id="{50CA783B-65B3-6866-9AF7-68A45701CE49}"/>
+            </a:ext>
+          </a:extLst>
+        </p:cNvPr>
+        <p:cNvGrpSpPr/>
+        <p:nvPr/>
+      </p:nvGrpSpPr>
+      <p:grpSpPr>
+        <a:xfrm>
+          <a:off x="0" y="0"/>
+          <a:ext cx="0" cy="0"/>
+          <a:chOff x="0" y="0"/>
+          <a:chExt cx="0" cy="0"/>
+        </a:xfrm>
+      </p:grpSpPr>
+      <p:sp>
+        <p:nvSpPr>
+          <p:cNvPr id="4" name="TextBox 3">
+            <a:extLst>
+              <a:ext uri="{FF2B5EF4-FFF2-40B4-BE49-F238E27FC236}">
+                <a16:creationId xmlns:a16="http://schemas.microsoft.com/office/drawing/2014/main" id="{42F85767-73F3-0B96-45CC-9276F994B9A3}"/>
+              </a:ext>
+            </a:extLst>
+          </p:cNvPr>
+          <p:cNvSpPr txBox="1"/>
+          <p:nvPr/>
+        </p:nvSpPr>
+        <p:spPr>
+          <a:xfrm>
+            <a:off x="182880" y="312874"/>
+            <a:ext cx="11713464" cy="2308324"/>
+          </a:xfrm>
+          <a:prstGeom prst="rect">
+            <a:avLst/>
+          </a:prstGeom>
+          <a:noFill/>
+        </p:spPr>
+        <p:txBody>
+          <a:bodyPr wrap="square">
+            <a:spAutoFit/>
+          </a:bodyPr>
+          <a:lstStyle/>
+          <a:p>
+            <a:r>
+              <a:rPr lang="en-US" sz="2400" b="1" dirty="0">
+                <a:solidFill>
+                  <a:schemeClr val="accent6">
+                    <a:lumMod val="60000"/>
+                    <a:lumOff val="40000"/>
+                  </a:schemeClr>
+                </a:solidFill>
+              </a:rPr>
+              <a:t>Why Chain-of-Thought Prompting is Important</a:t>
+            </a:r>
+          </a:p>
+          <a:p>
+            <a:endParaRPr lang="en-US" sz="2400" dirty="0">
+              <a:solidFill>
+                <a:schemeClr val="accent6">
+                  <a:lumMod val="60000"/>
+                  <a:lumOff val="40000"/>
+                </a:schemeClr>
+              </a:solidFill>
+            </a:endParaRPr>
+          </a:p>
+          <a:p>
+            <a:r>
+              <a:rPr lang="en-US" sz="2400" dirty="0">
+                <a:solidFill>
+                  <a:schemeClr val="accent6">
+                    <a:lumMod val="60000"/>
+                    <a:lumOff val="40000"/>
+                  </a:schemeClr>
+                </a:solidFill>
+              </a:rPr>
+              <a:t>Normally, AI may jump directly to an answer. When we ask AI to show steps:</a:t>
+            </a:r>
+          </a:p>
+          <a:p>
+            <a:pPr marL="342900" lvl="0" indent="-342900">
+              <a:buFont typeface="Arial" panose="020B0604020202020204" pitchFamily="34" charset="0"/>
+              <a:buChar char="•"/>
+            </a:pPr>
+            <a:r>
+              <a:rPr lang="en-US" sz="2400" dirty="0">
+                <a:solidFill>
+                  <a:schemeClr val="accent6">
+                    <a:lumMod val="60000"/>
+                    <a:lumOff val="40000"/>
+                  </a:schemeClr>
+                </a:solidFill>
+              </a:rPr>
+              <a:t>Errors reduce significantly</a:t>
+            </a:r>
+          </a:p>
+          <a:p>
+            <a:pPr marL="342900" indent="-342900">
+              <a:buFont typeface="Arial" panose="020B0604020202020204" pitchFamily="34" charset="0"/>
+              <a:buChar char="•"/>
+            </a:pPr>
+            <a:r>
+              <a:rPr lang="en-US" sz="2400" dirty="0">
+                <a:solidFill>
+                  <a:schemeClr val="accent6">
+                    <a:lumMod val="60000"/>
+                    <a:lumOff val="40000"/>
+                  </a:schemeClr>
+                </a:solidFill>
+              </a:rPr>
+              <a:t>Reasoning becomes transparent and Output becomes more reliable</a:t>
+            </a:r>
+          </a:p>
+          <a:p>
+            <a:pPr marL="342900" lvl="0" indent="-342900">
+              <a:buFont typeface="Arial" panose="020B0604020202020204" pitchFamily="34" charset="0"/>
+              <a:buChar char="•"/>
+            </a:pPr>
+            <a:r>
+              <a:rPr lang="en-US" sz="2400" dirty="0">
+                <a:solidFill>
+                  <a:schemeClr val="accent6">
+                    <a:lumMod val="60000"/>
+                    <a:lumOff val="40000"/>
+                  </a:schemeClr>
+                </a:solidFill>
+              </a:rPr>
+              <a:t>Complex tasks become easier </a:t>
+            </a:r>
+          </a:p>
+        </p:txBody>
+      </p:sp>
+    </p:spTree>
+    <p:extLst>
+      <p:ext uri="{BB962C8B-B14F-4D97-AF65-F5344CB8AC3E}">
+        <p14:creationId xmlns:p14="http://schemas.microsoft.com/office/powerpoint/2010/main" val="4025050553"/>
+      </p:ext>
+    </p:extLst>
+  </p:cSld>
+  <p:clrMapOvr>
+    <a:masterClrMapping/>
+  </p:clrMapOvr>
+</p:sld>
+</file>
+
+<file path=ppt/slides/slide15.xml><?xml version="1.0" encoding="utf-8"?>
+<p:sld xmlns:a="http://schemas.openxmlformats.org/drawingml/2006/main" xmlns:r="http://schemas.openxmlformats.org/officeDocument/2006/relationships" xmlns:p="http://schemas.openxmlformats.org/presentationml/2006/main">
+  <p:cSld>
+    <p:spTree>
+      <p:nvGrpSpPr>
+        <p:cNvPr id="1" name="">
+          <a:extLst>
+            <a:ext uri="{FF2B5EF4-FFF2-40B4-BE49-F238E27FC236}">
+              <a16:creationId xmlns:a16="http://schemas.microsoft.com/office/drawing/2014/main" id="{56C4B431-DB2B-494E-CD62-A786A126259C}"/>
+            </a:ext>
+          </a:extLst>
+        </p:cNvPr>
+        <p:cNvGrpSpPr/>
+        <p:nvPr/>
+      </p:nvGrpSpPr>
+      <p:grpSpPr>
+        <a:xfrm>
+          <a:off x="0" y="0"/>
+          <a:ext cx="0" cy="0"/>
+          <a:chOff x="0" y="0"/>
+          <a:chExt cx="0" cy="0"/>
+        </a:xfrm>
+      </p:grpSpPr>
+      <p:sp>
+        <p:nvSpPr>
+          <p:cNvPr id="4" name="TextBox 3">
+            <a:extLst>
+              <a:ext uri="{FF2B5EF4-FFF2-40B4-BE49-F238E27FC236}">
+                <a16:creationId xmlns:a16="http://schemas.microsoft.com/office/drawing/2014/main" id="{2059FA9C-6DE1-4803-908E-DEA31C7422B5}"/>
+              </a:ext>
+            </a:extLst>
+          </p:cNvPr>
+          <p:cNvSpPr txBox="1"/>
+          <p:nvPr/>
+        </p:nvSpPr>
+        <p:spPr>
+          <a:xfrm>
+            <a:off x="182880" y="312874"/>
+            <a:ext cx="11713464" cy="3046988"/>
+          </a:xfrm>
+          <a:prstGeom prst="rect">
+            <a:avLst/>
+          </a:prstGeom>
+          <a:noFill/>
+        </p:spPr>
+        <p:txBody>
+          <a:bodyPr wrap="square">
+            <a:spAutoFit/>
+          </a:bodyPr>
+          <a:lstStyle/>
+          <a:p>
+            <a:r>
+              <a:rPr lang="en-US" sz="2400" b="1" dirty="0">
+                <a:solidFill>
+                  <a:schemeClr val="accent6">
+                    <a:lumMod val="60000"/>
+                    <a:lumOff val="40000"/>
+                  </a:schemeClr>
+                </a:solidFill>
+              </a:rPr>
+              <a:t>3. Role Prompting – Assigning AI a Professional Identity</a:t>
+            </a:r>
+          </a:p>
+          <a:p>
+            <a:endParaRPr lang="en-US" sz="2400" dirty="0">
+              <a:solidFill>
+                <a:schemeClr val="accent6">
+                  <a:lumMod val="60000"/>
+                  <a:lumOff val="40000"/>
+                </a:schemeClr>
+              </a:solidFill>
+            </a:endParaRPr>
+          </a:p>
+          <a:p>
+            <a:r>
+              <a:rPr lang="en-US" sz="2400" b="1" dirty="0">
+                <a:solidFill>
+                  <a:schemeClr val="accent6">
+                    <a:lumMod val="60000"/>
+                    <a:lumOff val="40000"/>
+                  </a:schemeClr>
+                </a:solidFill>
+              </a:rPr>
+              <a:t>What is Role Prompting?</a:t>
+            </a:r>
+            <a:endParaRPr lang="en-US" sz="2400" dirty="0">
+              <a:solidFill>
+                <a:schemeClr val="accent6">
+                  <a:lumMod val="60000"/>
+                  <a:lumOff val="40000"/>
+                </a:schemeClr>
+              </a:solidFill>
+            </a:endParaRPr>
+          </a:p>
+          <a:p>
+            <a:r>
+              <a:rPr lang="en-US" sz="2400" dirty="0">
+                <a:solidFill>
+                  <a:schemeClr val="accent6">
+                    <a:lumMod val="60000"/>
+                    <a:lumOff val="40000"/>
+                  </a:schemeClr>
+                </a:solidFill>
+              </a:rPr>
+              <a:t>Role Prompting is a technique where we assign AI a </a:t>
+            </a:r>
+            <a:r>
+              <a:rPr lang="en-US" sz="2400" b="1" dirty="0">
+                <a:solidFill>
+                  <a:schemeClr val="accent6">
+                    <a:lumMod val="60000"/>
+                    <a:lumOff val="40000"/>
+                  </a:schemeClr>
+                </a:solidFill>
+              </a:rPr>
+              <a:t>specific role, profession, or expertise level</a:t>
+            </a:r>
+            <a:r>
+              <a:rPr lang="en-US" sz="2400" dirty="0">
+                <a:solidFill>
+                  <a:schemeClr val="accent6">
+                    <a:lumMod val="60000"/>
+                    <a:lumOff val="40000"/>
+                  </a:schemeClr>
+                </a:solidFill>
+              </a:rPr>
+              <a:t> before asking it to perform a task.</a:t>
+            </a:r>
+          </a:p>
+          <a:p>
+            <a:endParaRPr lang="en-US" sz="2400" dirty="0">
+              <a:solidFill>
+                <a:schemeClr val="accent6">
+                  <a:lumMod val="60000"/>
+                  <a:lumOff val="40000"/>
+                </a:schemeClr>
+              </a:solidFill>
+            </a:endParaRPr>
+          </a:p>
+          <a:p>
+            <a:r>
+              <a:rPr lang="en-US" sz="2400" dirty="0">
+                <a:solidFill>
+                  <a:schemeClr val="accent6">
+                    <a:lumMod val="60000"/>
+                    <a:lumOff val="40000"/>
+                  </a:schemeClr>
+                </a:solidFill>
+              </a:rPr>
+              <a:t>Example:</a:t>
+            </a:r>
+          </a:p>
+          <a:p>
+            <a:r>
+              <a:rPr lang="en-US" sz="2400" dirty="0">
+                <a:solidFill>
+                  <a:schemeClr val="accent6">
+                    <a:lumMod val="60000"/>
+                    <a:lumOff val="40000"/>
+                  </a:schemeClr>
+                </a:solidFill>
+              </a:rPr>
+              <a:t>Act as a Senior Software Developer.</a:t>
+            </a:r>
+          </a:p>
+        </p:txBody>
+      </p:sp>
+    </p:spTree>
+    <p:extLst>
+      <p:ext uri="{BB962C8B-B14F-4D97-AF65-F5344CB8AC3E}">
+        <p14:creationId xmlns:p14="http://schemas.microsoft.com/office/powerpoint/2010/main" val="2878737807"/>
+      </p:ext>
+    </p:extLst>
+  </p:cSld>
+  <p:clrMapOvr>
+    <a:masterClrMapping/>
+  </p:clrMapOvr>
+</p:sld>
+</file>
+
+<file path=ppt/slides/slide16.xml><?xml version="1.0" encoding="utf-8"?>
+<p:sld xmlns:a="http://schemas.openxmlformats.org/drawingml/2006/main" xmlns:r="http://schemas.openxmlformats.org/officeDocument/2006/relationships" xmlns:p="http://schemas.openxmlformats.org/presentationml/2006/main">
+  <p:cSld>
+    <p:spTree>
+      <p:nvGrpSpPr>
+        <p:cNvPr id="1" name="">
+          <a:extLst>
+            <a:ext uri="{FF2B5EF4-FFF2-40B4-BE49-F238E27FC236}">
+              <a16:creationId xmlns:a16="http://schemas.microsoft.com/office/drawing/2014/main" id="{E4ACE555-C010-2543-DFFC-F5D5D5BD2747}"/>
+            </a:ext>
+          </a:extLst>
+        </p:cNvPr>
+        <p:cNvGrpSpPr/>
+        <p:nvPr/>
+      </p:nvGrpSpPr>
+      <p:grpSpPr>
+        <a:xfrm>
+          <a:off x="0" y="0"/>
+          <a:ext cx="0" cy="0"/>
+          <a:chOff x="0" y="0"/>
+          <a:chExt cx="0" cy="0"/>
+        </a:xfrm>
+      </p:grpSpPr>
+      <p:sp>
+        <p:nvSpPr>
+          <p:cNvPr id="4" name="TextBox 3">
+            <a:extLst>
+              <a:ext uri="{FF2B5EF4-FFF2-40B4-BE49-F238E27FC236}">
+                <a16:creationId xmlns:a16="http://schemas.microsoft.com/office/drawing/2014/main" id="{B2C5F2D7-4594-AE38-A9A4-72FEA6A3F207}"/>
+              </a:ext>
+            </a:extLst>
+          </p:cNvPr>
+          <p:cNvSpPr txBox="1"/>
+          <p:nvPr/>
+        </p:nvSpPr>
+        <p:spPr>
+          <a:xfrm>
+            <a:off x="182880" y="312874"/>
+            <a:ext cx="11713464" cy="5262979"/>
+          </a:xfrm>
+          <a:prstGeom prst="rect">
+            <a:avLst/>
+          </a:prstGeom>
+          <a:noFill/>
+        </p:spPr>
+        <p:txBody>
+          <a:bodyPr wrap="square">
+            <a:spAutoFit/>
+          </a:bodyPr>
+          <a:lstStyle/>
+          <a:p>
+            <a:r>
+              <a:rPr lang="en-US" sz="2400" b="1" dirty="0">
+                <a:solidFill>
+                  <a:schemeClr val="accent6">
+                    <a:lumMod val="60000"/>
+                    <a:lumOff val="40000"/>
+                  </a:schemeClr>
+                </a:solidFill>
+              </a:rPr>
+              <a:t>Example Without Role Prompting</a:t>
+            </a:r>
+            <a:endParaRPr lang="en-US" sz="2400" dirty="0">
+              <a:solidFill>
+                <a:schemeClr val="accent6">
+                  <a:lumMod val="60000"/>
+                  <a:lumOff val="40000"/>
+                </a:schemeClr>
+              </a:solidFill>
+            </a:endParaRPr>
+          </a:p>
+          <a:p>
+            <a:endParaRPr lang="en-US" sz="2400" dirty="0">
+              <a:solidFill>
+                <a:schemeClr val="accent6">
+                  <a:lumMod val="60000"/>
+                  <a:lumOff val="40000"/>
+                </a:schemeClr>
+              </a:solidFill>
+            </a:endParaRPr>
+          </a:p>
+          <a:p>
+            <a:r>
+              <a:rPr lang="en-US" sz="2400" dirty="0">
+                <a:solidFill>
+                  <a:schemeClr val="accent6">
+                    <a:lumMod val="60000"/>
+                    <a:lumOff val="40000"/>
+                  </a:schemeClr>
+                </a:solidFill>
+              </a:rPr>
+              <a:t>Prompt:</a:t>
+            </a:r>
+          </a:p>
+          <a:p>
+            <a:r>
+              <a:rPr lang="en-US" sz="2400" dirty="0">
+                <a:solidFill>
+                  <a:schemeClr val="accent6">
+                    <a:lumMod val="60000"/>
+                    <a:lumOff val="40000"/>
+                  </a:schemeClr>
+                </a:solidFill>
+              </a:rPr>
+              <a:t>Explain API security.</a:t>
+            </a:r>
+          </a:p>
+          <a:p>
+            <a:endParaRPr lang="en-US" sz="2400" dirty="0">
+              <a:solidFill>
+                <a:schemeClr val="accent6">
+                  <a:lumMod val="60000"/>
+                  <a:lumOff val="40000"/>
+                </a:schemeClr>
+              </a:solidFill>
+            </a:endParaRPr>
+          </a:p>
+          <a:p>
+            <a:r>
+              <a:rPr lang="en-US" sz="2400" dirty="0">
+                <a:solidFill>
+                  <a:schemeClr val="accent6">
+                    <a:lumMod val="60000"/>
+                    <a:lumOff val="40000"/>
+                  </a:schemeClr>
+                </a:solidFill>
+              </a:rPr>
+              <a:t>Output may be generic or basic.</a:t>
+            </a:r>
+          </a:p>
+          <a:p>
+            <a:br>
+              <a:rPr lang="en-US" sz="2400" dirty="0">
+                <a:solidFill>
+                  <a:schemeClr val="accent6">
+                    <a:lumMod val="60000"/>
+                    <a:lumOff val="40000"/>
+                  </a:schemeClr>
+                </a:solidFill>
+              </a:rPr>
+            </a:br>
+            <a:endParaRPr lang="en-US" sz="2400" dirty="0">
+              <a:solidFill>
+                <a:schemeClr val="accent6">
+                  <a:lumMod val="60000"/>
+                  <a:lumOff val="40000"/>
+                </a:schemeClr>
+              </a:solidFill>
+            </a:endParaRPr>
+          </a:p>
+          <a:p>
+            <a:r>
+              <a:rPr lang="en-US" sz="2400" b="1" dirty="0">
+                <a:solidFill>
+                  <a:schemeClr val="accent6">
+                    <a:lumMod val="60000"/>
+                    <a:lumOff val="40000"/>
+                  </a:schemeClr>
+                </a:solidFill>
+              </a:rPr>
+              <a:t>Example With Role Prompting</a:t>
+            </a:r>
+            <a:endParaRPr lang="en-US" sz="2400" dirty="0">
+              <a:solidFill>
+                <a:schemeClr val="accent6">
+                  <a:lumMod val="60000"/>
+                  <a:lumOff val="40000"/>
+                </a:schemeClr>
+              </a:solidFill>
+            </a:endParaRPr>
+          </a:p>
+          <a:p>
+            <a:endParaRPr lang="en-US" sz="2400" dirty="0">
+              <a:solidFill>
+                <a:schemeClr val="accent6">
+                  <a:lumMod val="60000"/>
+                  <a:lumOff val="40000"/>
+                </a:schemeClr>
+              </a:solidFill>
+            </a:endParaRPr>
+          </a:p>
+          <a:p>
+            <a:r>
+              <a:rPr lang="en-US" sz="2400" dirty="0">
+                <a:solidFill>
+                  <a:schemeClr val="accent6">
+                    <a:lumMod val="60000"/>
+                    <a:lumOff val="40000"/>
+                  </a:schemeClr>
+                </a:solidFill>
+              </a:rPr>
+              <a:t>Prompt:</a:t>
+            </a:r>
+          </a:p>
+          <a:p>
+            <a:r>
+              <a:rPr lang="en-US" sz="2400" dirty="0">
+                <a:solidFill>
+                  <a:schemeClr val="accent6">
+                    <a:lumMod val="60000"/>
+                    <a:lumOff val="40000"/>
+                  </a:schemeClr>
+                </a:solidFill>
+              </a:rPr>
+              <a:t>Act as a Cybersecurity Expert. Explain API security risks and best practices.</a:t>
+            </a:r>
+          </a:p>
+          <a:p>
+            <a:endParaRPr lang="en-US" sz="2400" dirty="0">
+              <a:solidFill>
+                <a:schemeClr val="accent6">
+                  <a:lumMod val="60000"/>
+                  <a:lumOff val="40000"/>
+                </a:schemeClr>
+              </a:solidFill>
+            </a:endParaRPr>
+          </a:p>
+          <a:p>
+            <a:r>
+              <a:rPr lang="en-US" sz="2400" dirty="0">
+                <a:solidFill>
+                  <a:schemeClr val="accent6">
+                    <a:lumMod val="60000"/>
+                    <a:lumOff val="40000"/>
+                  </a:schemeClr>
+                </a:solidFill>
+              </a:rPr>
+              <a:t>Output will be more professional and detailed.</a:t>
+            </a:r>
+          </a:p>
+        </p:txBody>
+      </p:sp>
+    </p:spTree>
+    <p:extLst>
+      <p:ext uri="{BB962C8B-B14F-4D97-AF65-F5344CB8AC3E}">
+        <p14:creationId xmlns:p14="http://schemas.microsoft.com/office/powerpoint/2010/main" val="2343117006"/>
+      </p:ext>
+    </p:extLst>
+  </p:cSld>
+  <p:clrMapOvr>
+    <a:masterClrMapping/>
+  </p:clrMapOvr>
+</p:sld>
+</file>
+
+<file path=ppt/slides/slide17.xml><?xml version="1.0" encoding="utf-8"?>
+<p:sld xmlns:a="http://schemas.openxmlformats.org/drawingml/2006/main" xmlns:r="http://schemas.openxmlformats.org/officeDocument/2006/relationships" xmlns:p="http://schemas.openxmlformats.org/presentationml/2006/main">
+  <p:cSld>
+    <p:spTree>
+      <p:nvGrpSpPr>
+        <p:cNvPr id="1" name="">
+          <a:extLst>
+            <a:ext uri="{FF2B5EF4-FFF2-40B4-BE49-F238E27FC236}">
+              <a16:creationId xmlns:a16="http://schemas.microsoft.com/office/drawing/2014/main" id="{03308B20-43FC-E4DC-A0ED-2F8D986AC962}"/>
+            </a:ext>
+          </a:extLst>
+        </p:cNvPr>
+        <p:cNvGrpSpPr/>
+        <p:nvPr/>
+      </p:nvGrpSpPr>
+      <p:grpSpPr>
+        <a:xfrm>
+          <a:off x="0" y="0"/>
+          <a:ext cx="0" cy="0"/>
+          <a:chOff x="0" y="0"/>
+          <a:chExt cx="0" cy="0"/>
+        </a:xfrm>
+      </p:grpSpPr>
+      <p:sp>
+        <p:nvSpPr>
+          <p:cNvPr id="4" name="TextBox 3">
+            <a:extLst>
+              <a:ext uri="{FF2B5EF4-FFF2-40B4-BE49-F238E27FC236}">
+                <a16:creationId xmlns:a16="http://schemas.microsoft.com/office/drawing/2014/main" id="{0BCBBB84-87FB-0D88-6817-2E89677B46BE}"/>
+              </a:ext>
+            </a:extLst>
+          </p:cNvPr>
+          <p:cNvSpPr txBox="1"/>
+          <p:nvPr/>
+        </p:nvSpPr>
+        <p:spPr>
+          <a:xfrm>
+            <a:off x="182880" y="312874"/>
+            <a:ext cx="11713464" cy="3416320"/>
+          </a:xfrm>
+          <a:prstGeom prst="rect">
+            <a:avLst/>
+          </a:prstGeom>
+          <a:noFill/>
+        </p:spPr>
+        <p:txBody>
+          <a:bodyPr wrap="square">
+            <a:spAutoFit/>
+          </a:bodyPr>
+          <a:lstStyle/>
+          <a:p>
+            <a:r>
+              <a:rPr lang="en-US" sz="2400" b="1" dirty="0">
+                <a:solidFill>
+                  <a:schemeClr val="accent6">
+                    <a:lumMod val="60000"/>
+                    <a:lumOff val="40000"/>
+                  </a:schemeClr>
+                </a:solidFill>
+              </a:rPr>
+              <a:t>Common Roles Used in Prompt Engineering</a:t>
+            </a:r>
+            <a:endParaRPr lang="en-US" sz="2400" dirty="0">
+              <a:solidFill>
+                <a:schemeClr val="accent6">
+                  <a:lumMod val="60000"/>
+                  <a:lumOff val="40000"/>
+                </a:schemeClr>
+              </a:solidFill>
+            </a:endParaRPr>
+          </a:p>
+          <a:p>
+            <a:pPr lvl="0"/>
+            <a:endParaRPr lang="en-US" sz="2400" dirty="0">
+              <a:solidFill>
+                <a:schemeClr val="accent6">
+                  <a:lumMod val="60000"/>
+                  <a:lumOff val="40000"/>
+                </a:schemeClr>
+              </a:solidFill>
+            </a:endParaRPr>
+          </a:p>
+          <a:p>
+            <a:pPr marL="342900" lvl="0" indent="-342900">
+              <a:buFont typeface="Arial" panose="020B0604020202020204" pitchFamily="34" charset="0"/>
+              <a:buChar char="•"/>
+            </a:pPr>
+            <a:r>
+              <a:rPr lang="en-US" sz="2400" dirty="0">
+                <a:solidFill>
+                  <a:schemeClr val="accent6">
+                    <a:lumMod val="60000"/>
+                    <a:lumOff val="40000"/>
+                  </a:schemeClr>
+                </a:solidFill>
+              </a:rPr>
+              <a:t>Senior Software Developer</a:t>
+            </a:r>
+          </a:p>
+          <a:p>
+            <a:pPr marL="342900" lvl="0" indent="-342900">
+              <a:buFont typeface="Arial" panose="020B0604020202020204" pitchFamily="34" charset="0"/>
+              <a:buChar char="•"/>
+            </a:pPr>
+            <a:r>
+              <a:rPr lang="en-US" sz="2400" dirty="0">
+                <a:solidFill>
+                  <a:schemeClr val="accent6">
+                    <a:lumMod val="60000"/>
+                    <a:lumOff val="40000"/>
+                  </a:schemeClr>
+                </a:solidFill>
+              </a:rPr>
+              <a:t>Data Scientist</a:t>
+            </a:r>
+          </a:p>
+          <a:p>
+            <a:pPr marL="342900" lvl="0" indent="-342900">
+              <a:buFont typeface="Arial" panose="020B0604020202020204" pitchFamily="34" charset="0"/>
+              <a:buChar char="•"/>
+            </a:pPr>
+            <a:r>
+              <a:rPr lang="en-US" sz="2400" dirty="0">
+                <a:solidFill>
+                  <a:schemeClr val="accent6">
+                    <a:lumMod val="60000"/>
+                    <a:lumOff val="40000"/>
+                  </a:schemeClr>
+                </a:solidFill>
+              </a:rPr>
+              <a:t>Medical Professional</a:t>
+            </a:r>
+          </a:p>
+          <a:p>
+            <a:pPr marL="342900" lvl="0" indent="-342900">
+              <a:buFont typeface="Arial" panose="020B0604020202020204" pitchFamily="34" charset="0"/>
+              <a:buChar char="•"/>
+            </a:pPr>
+            <a:r>
+              <a:rPr lang="en-US" sz="2400" dirty="0">
+                <a:solidFill>
+                  <a:schemeClr val="accent6">
+                    <a:lumMod val="60000"/>
+                    <a:lumOff val="40000"/>
+                  </a:schemeClr>
+                </a:solidFill>
+              </a:rPr>
+              <a:t>Financial Advisor</a:t>
+            </a:r>
+          </a:p>
+          <a:p>
+            <a:pPr marL="342900" lvl="0" indent="-342900">
+              <a:buFont typeface="Arial" panose="020B0604020202020204" pitchFamily="34" charset="0"/>
+              <a:buChar char="•"/>
+            </a:pPr>
+            <a:r>
+              <a:rPr lang="en-US" sz="2400" dirty="0">
+                <a:solidFill>
+                  <a:schemeClr val="accent6">
+                    <a:lumMod val="60000"/>
+                    <a:lumOff val="40000"/>
+                  </a:schemeClr>
+                </a:solidFill>
+              </a:rPr>
+              <a:t>Teacher or Trainer</a:t>
+            </a:r>
+          </a:p>
+          <a:p>
+            <a:pPr marL="342900" lvl="0" indent="-342900">
+              <a:buFont typeface="Arial" panose="020B0604020202020204" pitchFamily="34" charset="0"/>
+              <a:buChar char="•"/>
+            </a:pPr>
+            <a:r>
+              <a:rPr lang="en-US" sz="2400" dirty="0">
+                <a:solidFill>
+                  <a:schemeClr val="accent6">
+                    <a:lumMod val="60000"/>
+                    <a:lumOff val="40000"/>
+                  </a:schemeClr>
+                </a:solidFill>
+              </a:rPr>
+              <a:t>Business Consultant</a:t>
+            </a:r>
+          </a:p>
+          <a:p>
+            <a:pPr marL="342900" lvl="0" indent="-342900">
+              <a:buFont typeface="Arial" panose="020B0604020202020204" pitchFamily="34" charset="0"/>
+              <a:buChar char="•"/>
+            </a:pPr>
+            <a:r>
+              <a:rPr lang="en-US" sz="2400" dirty="0">
+                <a:solidFill>
+                  <a:schemeClr val="accent6">
+                    <a:lumMod val="60000"/>
+                    <a:lumOff val="40000"/>
+                  </a:schemeClr>
+                </a:solidFill>
+              </a:rPr>
+              <a:t>Research Analyst</a:t>
+            </a:r>
+          </a:p>
+        </p:txBody>
+      </p:sp>
+    </p:spTree>
+    <p:extLst>
+      <p:ext uri="{BB962C8B-B14F-4D97-AF65-F5344CB8AC3E}">
+        <p14:creationId xmlns:p14="http://schemas.microsoft.com/office/powerpoint/2010/main" val="1771811018"/>
+      </p:ext>
+    </p:extLst>
+  </p:cSld>
+  <p:clrMapOvr>
+    <a:masterClrMapping/>
+  </p:clrMapOvr>
+</p:sld>
+</file>
+
+<file path=ppt/slides/slide18.xml><?xml version="1.0" encoding="utf-8"?>
+<p:sld xmlns:a="http://schemas.openxmlformats.org/drawingml/2006/main" xmlns:r="http://schemas.openxmlformats.org/officeDocument/2006/relationships" xmlns:p="http://schemas.openxmlformats.org/presentationml/2006/main">
+  <p:cSld>
+    <p:spTree>
+      <p:nvGrpSpPr>
+        <p:cNvPr id="1" name="">
+          <a:extLst>
+            <a:ext uri="{FF2B5EF4-FFF2-40B4-BE49-F238E27FC236}">
+              <a16:creationId xmlns:a16="http://schemas.microsoft.com/office/drawing/2014/main" id="{A4576AD8-5CB7-BC88-7211-D0A370258F5D}"/>
+            </a:ext>
+          </a:extLst>
+        </p:cNvPr>
+        <p:cNvGrpSpPr/>
+        <p:nvPr/>
+      </p:nvGrpSpPr>
+      <p:grpSpPr>
+        <a:xfrm>
+          <a:off x="0" y="0"/>
+          <a:ext cx="0" cy="0"/>
+          <a:chOff x="0" y="0"/>
+          <a:chExt cx="0" cy="0"/>
+        </a:xfrm>
+      </p:grpSpPr>
+      <p:sp>
+        <p:nvSpPr>
+          <p:cNvPr id="4" name="TextBox 3">
+            <a:extLst>
+              <a:ext uri="{FF2B5EF4-FFF2-40B4-BE49-F238E27FC236}">
+                <a16:creationId xmlns:a16="http://schemas.microsoft.com/office/drawing/2014/main" id="{68BCE0B1-AE9F-627B-53CE-964E44D738FF}"/>
+              </a:ext>
+            </a:extLst>
+          </p:cNvPr>
+          <p:cNvSpPr txBox="1"/>
+          <p:nvPr/>
+        </p:nvSpPr>
+        <p:spPr>
+          <a:xfrm>
+            <a:off x="182880" y="221434"/>
+            <a:ext cx="11713464" cy="1938992"/>
+          </a:xfrm>
+          <a:prstGeom prst="rect">
+            <a:avLst/>
+          </a:prstGeom>
+          <a:noFill/>
+        </p:spPr>
+        <p:txBody>
+          <a:bodyPr wrap="square">
+            <a:spAutoFit/>
+          </a:bodyPr>
+          <a:lstStyle/>
+          <a:p>
+            <a:r>
+              <a:rPr lang="en-US" sz="2400" b="1" dirty="0">
+                <a:solidFill>
+                  <a:schemeClr val="accent6">
+                    <a:lumMod val="60000"/>
+                    <a:lumOff val="40000"/>
+                  </a:schemeClr>
+                </a:solidFill>
+              </a:rPr>
+              <a:t>Combining All Three Techniques: </a:t>
+            </a:r>
+            <a:r>
+              <a:rPr lang="en-US" sz="2400" dirty="0">
+                <a:solidFill>
+                  <a:schemeClr val="accent6">
+                    <a:lumMod val="60000"/>
+                    <a:lumOff val="40000"/>
+                  </a:schemeClr>
+                </a:solidFill>
+              </a:rPr>
+              <a:t>These techniques can be used together for best results.</a:t>
+            </a:r>
+          </a:p>
+          <a:p>
+            <a:endParaRPr lang="en-US" sz="2400" dirty="0">
+              <a:solidFill>
+                <a:schemeClr val="accent6">
+                  <a:lumMod val="60000"/>
+                  <a:lumOff val="40000"/>
+                </a:schemeClr>
+              </a:solidFill>
+            </a:endParaRPr>
+          </a:p>
+          <a:p>
+            <a:r>
+              <a:rPr lang="en-US" sz="2400" b="1" dirty="0">
+                <a:solidFill>
+                  <a:schemeClr val="accent6">
+                    <a:lumMod val="60000"/>
+                    <a:lumOff val="40000"/>
+                  </a:schemeClr>
+                </a:solidFill>
+              </a:rPr>
+              <a:t>Bad Prompt:</a:t>
+            </a:r>
+            <a:r>
+              <a:rPr lang="en-US" sz="2400" dirty="0">
+                <a:solidFill>
+                  <a:schemeClr val="accent6">
+                    <a:lumMod val="60000"/>
+                    <a:lumOff val="40000"/>
+                  </a:schemeClr>
+                </a:solidFill>
+              </a:rPr>
+              <a:t> </a:t>
+            </a:r>
+          </a:p>
+          <a:p>
+            <a:r>
+              <a:rPr lang="en-US" sz="2400" dirty="0">
+                <a:solidFill>
+                  <a:schemeClr val="accent6">
+                    <a:lumMod val="60000"/>
+                    <a:lumOff val="40000"/>
+                  </a:schemeClr>
+                </a:solidFill>
+              </a:rPr>
+              <a:t>A customer buys a laptop for $1,200. There is a 15% discount, but a 7% sales tax is applied to the final discounted price. How much is the final total?</a:t>
+            </a:r>
+          </a:p>
+        </p:txBody>
+      </p:sp>
+    </p:spTree>
+    <p:extLst>
+      <p:ext uri="{BB962C8B-B14F-4D97-AF65-F5344CB8AC3E}">
+        <p14:creationId xmlns:p14="http://schemas.microsoft.com/office/powerpoint/2010/main" val="1083813054"/>
+      </p:ext>
+    </p:extLst>
+  </p:cSld>
+  <p:clrMapOvr>
+    <a:masterClrMapping/>
+  </p:clrMapOvr>
+</p:sld>
+</file>
+
+<file path=ppt/slides/slide19.xml><?xml version="1.0" encoding="utf-8"?>
+<p:sld xmlns:a="http://schemas.openxmlformats.org/drawingml/2006/main" xmlns:r="http://schemas.openxmlformats.org/officeDocument/2006/relationships" xmlns:p="http://schemas.openxmlformats.org/presentationml/2006/main">
+  <p:cSld>
+    <p:spTree>
+      <p:nvGrpSpPr>
+        <p:cNvPr id="1" name="">
+          <a:extLst>
+            <a:ext uri="{FF2B5EF4-FFF2-40B4-BE49-F238E27FC236}">
+              <a16:creationId xmlns:a16="http://schemas.microsoft.com/office/drawing/2014/main" id="{13B26A62-6028-AA5B-2AD1-131C122F3A2E}"/>
+            </a:ext>
+          </a:extLst>
+        </p:cNvPr>
+        <p:cNvGrpSpPr/>
+        <p:nvPr/>
+      </p:nvGrpSpPr>
+      <p:grpSpPr>
+        <a:xfrm>
+          <a:off x="0" y="0"/>
+          <a:ext cx="0" cy="0"/>
+          <a:chOff x="0" y="0"/>
+          <a:chExt cx="0" cy="0"/>
+        </a:xfrm>
+      </p:grpSpPr>
+      <p:sp>
+        <p:nvSpPr>
+          <p:cNvPr id="4" name="TextBox 3">
+            <a:extLst>
+              <a:ext uri="{FF2B5EF4-FFF2-40B4-BE49-F238E27FC236}">
+                <a16:creationId xmlns:a16="http://schemas.microsoft.com/office/drawing/2014/main" id="{471AE716-8E24-10C3-AB93-348C2533D191}"/>
+              </a:ext>
+            </a:extLst>
+          </p:cNvPr>
+          <p:cNvSpPr txBox="1"/>
+          <p:nvPr/>
+        </p:nvSpPr>
+        <p:spPr>
+          <a:xfrm>
+            <a:off x="182880" y="221434"/>
+            <a:ext cx="11713464" cy="6001643"/>
+          </a:xfrm>
+          <a:prstGeom prst="rect">
+            <a:avLst/>
+          </a:prstGeom>
+          <a:noFill/>
+        </p:spPr>
+        <p:txBody>
+          <a:bodyPr wrap="square">
+            <a:spAutoFit/>
+          </a:bodyPr>
+          <a:lstStyle/>
+          <a:p>
+            <a:r>
+              <a:rPr lang="en-US" sz="2400" b="1" dirty="0">
+                <a:solidFill>
+                  <a:schemeClr val="accent6">
+                    <a:lumMod val="60000"/>
+                    <a:lumOff val="40000"/>
+                  </a:schemeClr>
+                </a:solidFill>
+              </a:rPr>
+              <a:t>Combining All Three Techniques: </a:t>
+            </a:r>
+            <a:r>
+              <a:rPr lang="en-US" sz="2400" dirty="0">
+                <a:solidFill>
+                  <a:schemeClr val="accent6">
+                    <a:lumMod val="60000"/>
+                    <a:lumOff val="40000"/>
+                  </a:schemeClr>
+                </a:solidFill>
+              </a:rPr>
+              <a:t>These techniques can be used together for best results.</a:t>
+            </a:r>
+          </a:p>
+          <a:p>
+            <a:endParaRPr lang="en-US" sz="2400" dirty="0">
+              <a:solidFill>
+                <a:schemeClr val="accent6">
+                  <a:lumMod val="60000"/>
+                  <a:lumOff val="40000"/>
+                </a:schemeClr>
+              </a:solidFill>
+            </a:endParaRPr>
+          </a:p>
+          <a:p>
+            <a:r>
+              <a:rPr lang="en-US" sz="2400" dirty="0">
+                <a:solidFill>
+                  <a:schemeClr val="accent6">
+                    <a:lumMod val="60000"/>
+                    <a:lumOff val="40000"/>
+                  </a:schemeClr>
+                </a:solidFill>
+              </a:rPr>
+              <a:t>Good Prompt:</a:t>
+            </a:r>
+          </a:p>
+          <a:p>
+            <a:endParaRPr lang="en-US" sz="2400" dirty="0">
+              <a:solidFill>
+                <a:schemeClr val="accent6">
+                  <a:lumMod val="60000"/>
+                  <a:lumOff val="40000"/>
+                </a:schemeClr>
+              </a:solidFill>
+            </a:endParaRPr>
+          </a:p>
+          <a:p>
+            <a:r>
+              <a:rPr lang="en-US" sz="2400" b="1" dirty="0">
+                <a:solidFill>
+                  <a:schemeClr val="accent6">
+                    <a:lumMod val="60000"/>
+                    <a:lumOff val="40000"/>
+                  </a:schemeClr>
+                </a:solidFill>
+              </a:rPr>
+              <a:t>Role Prompt:</a:t>
+            </a:r>
+            <a:r>
+              <a:rPr lang="en-US" sz="2400" dirty="0">
+                <a:solidFill>
+                  <a:schemeClr val="accent6">
+                    <a:lumMod val="60000"/>
+                    <a:lumOff val="40000"/>
+                  </a:schemeClr>
+                </a:solidFill>
+              </a:rPr>
+              <a:t> Act as a Senior Tax Accountant with 20 years of experience in retail finance. </a:t>
+            </a:r>
+          </a:p>
+          <a:p>
+            <a:r>
+              <a:rPr lang="en-US" sz="2400" b="1" dirty="0">
+                <a:solidFill>
+                  <a:schemeClr val="accent6">
+                    <a:lumMod val="60000"/>
+                    <a:lumOff val="40000"/>
+                  </a:schemeClr>
+                </a:solidFill>
+              </a:rPr>
+              <a:t>Few-Shot Examples (Pattern Consistency):</a:t>
+            </a:r>
+            <a:endParaRPr lang="en-US" sz="2400" dirty="0">
+              <a:solidFill>
+                <a:schemeClr val="accent6">
+                  <a:lumMod val="60000"/>
+                  <a:lumOff val="40000"/>
+                </a:schemeClr>
+              </a:solidFill>
+            </a:endParaRPr>
+          </a:p>
+          <a:p>
+            <a:r>
+              <a:rPr lang="en-US" sz="2400" b="1" dirty="0">
+                <a:solidFill>
+                  <a:schemeClr val="accent6">
+                    <a:lumMod val="60000"/>
+                    <a:lumOff val="40000"/>
+                  </a:schemeClr>
+                </a:solidFill>
+              </a:rPr>
+              <a:t>Scenario A:</a:t>
+            </a:r>
+            <a:r>
+              <a:rPr lang="en-US" sz="2400" dirty="0">
+                <a:solidFill>
+                  <a:schemeClr val="accent6">
+                    <a:lumMod val="60000"/>
+                    <a:lumOff val="40000"/>
+                  </a:schemeClr>
+                </a:solidFill>
+              </a:rPr>
+              <a:t> Buy a $100 shirt, 10% discount, 5% tax.</a:t>
+            </a:r>
+          </a:p>
+          <a:p>
+            <a:pPr lvl="1"/>
+            <a:r>
+              <a:rPr lang="en-US" sz="2400" i="1" dirty="0">
+                <a:solidFill>
+                  <a:schemeClr val="accent6">
+                    <a:lumMod val="60000"/>
+                    <a:lumOff val="40000"/>
+                  </a:schemeClr>
+                </a:solidFill>
+              </a:rPr>
+              <a:t>Reasoning:</a:t>
+            </a:r>
+            <a:r>
+              <a:rPr lang="en-US" sz="2400" dirty="0">
+                <a:solidFill>
+                  <a:schemeClr val="accent6">
+                    <a:lumMod val="60000"/>
+                    <a:lumOff val="40000"/>
+                  </a:schemeClr>
+                </a:solidFill>
+              </a:rPr>
+              <a:t> Discount is $100 * 0.10 = $10. Subtotal is $90. Tax is $90 * 0.05 = $4.50. Total is $94.50. </a:t>
+            </a:r>
+            <a:r>
+              <a:rPr lang="en-US" sz="2400" dirty="0">
+                <a:solidFill>
+                  <a:schemeClr val="accent6">
+                    <a:lumMod val="60000"/>
+                    <a:lumOff val="40000"/>
+                  </a:schemeClr>
+                </a:solidFill>
+                <a:hlinkClick r:id="rId2">
+                  <a:extLst>
+                    <a:ext uri="{A12FA001-AC4F-418D-AE19-62706E023703}">
+                      <ahyp:hlinkClr xmlns:ahyp="http://schemas.microsoft.com/office/drawing/2018/hyperlinkcolor" val="tx"/>
+                    </a:ext>
+                  </a:extLst>
+                </a:hlinkClick>
+              </a:rPr>
+              <a:t>1.2.7</a:t>
+            </a:r>
+            <a:endParaRPr lang="en-US" sz="2400" dirty="0">
+              <a:solidFill>
+                <a:schemeClr val="accent6">
+                  <a:lumMod val="60000"/>
+                  <a:lumOff val="40000"/>
+                </a:schemeClr>
+              </a:solidFill>
+            </a:endParaRPr>
+          </a:p>
+          <a:p>
+            <a:r>
+              <a:rPr lang="en-US" sz="2400" b="1" dirty="0">
+                <a:solidFill>
+                  <a:schemeClr val="accent6">
+                    <a:lumMod val="60000"/>
+                    <a:lumOff val="40000"/>
+                  </a:schemeClr>
+                </a:solidFill>
+              </a:rPr>
+              <a:t>Scenario B:</a:t>
+            </a:r>
+            <a:r>
+              <a:rPr lang="en-US" sz="2400" dirty="0">
+                <a:solidFill>
+                  <a:schemeClr val="accent6">
+                    <a:lumMod val="60000"/>
+                    <a:lumOff val="40000"/>
+                  </a:schemeClr>
+                </a:solidFill>
+              </a:rPr>
+              <a:t> Buy a $50 book, 20% discount, 10% tax.</a:t>
+            </a:r>
+          </a:p>
+          <a:p>
+            <a:pPr lvl="1"/>
+            <a:r>
+              <a:rPr lang="en-US" sz="2400" i="1" dirty="0">
+                <a:solidFill>
+                  <a:schemeClr val="accent6">
+                    <a:lumMod val="60000"/>
+                    <a:lumOff val="40000"/>
+                  </a:schemeClr>
+                </a:solidFill>
+              </a:rPr>
+              <a:t>Reasoning:</a:t>
+            </a:r>
+            <a:r>
+              <a:rPr lang="en-US" sz="2400" dirty="0">
+                <a:solidFill>
+                  <a:schemeClr val="accent6">
+                    <a:lumMod val="60000"/>
+                    <a:lumOff val="40000"/>
+                  </a:schemeClr>
+                </a:solidFill>
+              </a:rPr>
+              <a:t> Discount is $50 * 0.20 = $10. Subtotal is $40. Tax is $40 * 0.10 = $4. Total is $44. </a:t>
+            </a:r>
+            <a:r>
+              <a:rPr lang="en-US" sz="2400" dirty="0">
+                <a:solidFill>
+                  <a:schemeClr val="accent6">
+                    <a:lumMod val="60000"/>
+                    <a:lumOff val="40000"/>
+                  </a:schemeClr>
+                </a:solidFill>
+                <a:hlinkClick r:id="rId3">
+                  <a:extLst>
+                    <a:ext uri="{A12FA001-AC4F-418D-AE19-62706E023703}">
+                      <ahyp:hlinkClr xmlns:ahyp="http://schemas.microsoft.com/office/drawing/2018/hyperlinkcolor" val="tx"/>
+                    </a:ext>
+                  </a:extLst>
+                </a:hlinkClick>
+              </a:rPr>
+              <a:t>1.1.4</a:t>
+            </a:r>
+            <a:endParaRPr lang="en-US" sz="2400" dirty="0">
+              <a:solidFill>
+                <a:schemeClr val="accent6">
+                  <a:lumMod val="60000"/>
+                  <a:lumOff val="40000"/>
+                </a:schemeClr>
+              </a:solidFill>
+            </a:endParaRPr>
+          </a:p>
+          <a:p>
+            <a:r>
+              <a:rPr lang="en-US" sz="2400" b="1" dirty="0">
+                <a:solidFill>
+                  <a:schemeClr val="accent6">
+                    <a:lumMod val="60000"/>
+                    <a:lumOff val="40000"/>
+                  </a:schemeClr>
+                </a:solidFill>
+              </a:rPr>
+              <a:t>Task:</a:t>
+            </a:r>
+            <a:r>
+              <a:rPr lang="en-US" sz="2400" dirty="0">
+                <a:solidFill>
+                  <a:schemeClr val="accent6">
+                    <a:lumMod val="60000"/>
+                    <a:lumOff val="40000"/>
+                  </a:schemeClr>
+                </a:solidFill>
+              </a:rPr>
+              <a:t> Now, calculate the final total for a customer buying a laptop for $1,200 with a 15% discount and 7% sales tax.</a:t>
+            </a:r>
+          </a:p>
+          <a:p>
+            <a:r>
+              <a:rPr lang="en-US" sz="2400" b="1" dirty="0">
+                <a:solidFill>
+                  <a:schemeClr val="accent6">
+                    <a:lumMod val="60000"/>
+                    <a:lumOff val="40000"/>
+                  </a:schemeClr>
+                </a:solidFill>
+              </a:rPr>
+              <a:t>Chain-of-Thought Instruction:</a:t>
+            </a:r>
+            <a:r>
+              <a:rPr lang="en-US" sz="2400" dirty="0">
+                <a:solidFill>
+                  <a:schemeClr val="accent6">
+                    <a:lumMod val="60000"/>
+                    <a:lumOff val="40000"/>
+                  </a:schemeClr>
+                </a:solidFill>
+              </a:rPr>
+              <a:t> Please </a:t>
+            </a:r>
+            <a:r>
+              <a:rPr lang="en-US" sz="2400" b="1" dirty="0">
+                <a:solidFill>
+                  <a:schemeClr val="accent6">
+                    <a:lumMod val="60000"/>
+                    <a:lumOff val="40000"/>
+                  </a:schemeClr>
+                </a:solidFill>
+              </a:rPr>
+              <a:t>think step-by-step</a:t>
+            </a:r>
+            <a:r>
+              <a:rPr lang="en-US" sz="2400" dirty="0">
+                <a:solidFill>
+                  <a:schemeClr val="accent6">
+                    <a:lumMod val="60000"/>
+                    <a:lumOff val="40000"/>
+                  </a:schemeClr>
+                </a:solidFill>
+              </a:rPr>
+              <a:t>, breaking down each calculation clearly before stating the final answer. </a:t>
+            </a:r>
+          </a:p>
+        </p:txBody>
+      </p:sp>
+    </p:spTree>
+    <p:extLst>
+      <p:ext uri="{BB962C8B-B14F-4D97-AF65-F5344CB8AC3E}">
+        <p14:creationId xmlns:p14="http://schemas.microsoft.com/office/powerpoint/2010/main" val="2370796205"/>
+      </p:ext>
+    </p:extLst>
+  </p:cSld>
+  <p:clrMapOvr>
+    <a:masterClrMapping/>
+  </p:clrMapOvr>
+</p:sld>
+</file>
+
 <file path=ppt/slides/slide2.xml><?xml version="1.0" encoding="utf-8"?>
 <p:sld xmlns:a="http://schemas.openxmlformats.org/drawingml/2006/main" xmlns:r="http://schemas.openxmlformats.org/officeDocument/2006/relationships" xmlns:p="http://schemas.openxmlformats.org/presentationml/2006/main">
   <p:cSld>
@@ -3765,10 +5935,10 @@
       </p:grpSpPr>
       <p:sp>
         <p:nvSpPr>
-          <p:cNvPr id="2" name="TextBox 1">
-            <a:extLst>
-              <a:ext uri="{FF2B5EF4-FFF2-40B4-BE49-F238E27FC236}">
-                <a16:creationId xmlns:a16="http://schemas.microsoft.com/office/drawing/2014/main" id="{5EF9E746-897E-9407-6879-C8A1814FFC15}"/>
+          <p:cNvPr id="4" name="TextBox 3">
+            <a:extLst>
+              <a:ext uri="{FF2B5EF4-FFF2-40B4-BE49-F238E27FC236}">
+                <a16:creationId xmlns:a16="http://schemas.microsoft.com/office/drawing/2014/main" id="{34D9E2B6-28AD-DF63-1020-0A3F17443414}"/>
               </a:ext>
             </a:extLst>
           </p:cNvPr>
@@ -3777,8 +5947,8 @@
         </p:nvSpPr>
         <p:spPr>
           <a:xfrm>
-            <a:off x="3028950" y="85725"/>
-            <a:ext cx="6400800" cy="707886"/>
+            <a:off x="594360" y="962098"/>
+            <a:ext cx="10780776" cy="3978205"/>
           </a:xfrm>
           <a:prstGeom prst="rect">
             <a:avLst/>
@@ -3786,22 +5956,275 @@
           <a:noFill/>
         </p:spPr>
         <p:txBody>
-          <a:bodyPr wrap="square" rtlCol="0">
+          <a:bodyPr wrap="square">
             <a:spAutoFit/>
           </a:bodyPr>
           <a:lstStyle/>
           <a:p>
-            <a:pPr algn="ctr"/>
-            <a:r>
-              <a:rPr lang="en-US" sz="4000" dirty="0">
-                <a:solidFill>
-                  <a:schemeClr val="accent6">
-                    <a:lumMod val="60000"/>
-                    <a:lumOff val="40000"/>
-                  </a:schemeClr>
-                </a:solidFill>
-              </a:rPr>
-              <a:t>Prompt Engineering</a:t>
+            <a:pPr marL="0" marR="0">
+              <a:lnSpc>
+                <a:spcPct val="115000"/>
+              </a:lnSpc>
+              <a:spcAft>
+                <a:spcPts val="800"/>
+              </a:spcAft>
+              <a:buNone/>
+            </a:pPr>
+            <a:r>
+              <a:rPr lang="en-US" sz="2400" b="1" kern="100" dirty="0">
+                <a:solidFill>
+                  <a:schemeClr val="accent6">
+                    <a:lumMod val="60000"/>
+                    <a:lumOff val="40000"/>
+                  </a:schemeClr>
+                </a:solidFill>
+                <a:effectLst/>
+                <a:latin typeface="Calibri" panose="020F0502020204030204" pitchFamily="34" charset="0"/>
+                <a:ea typeface="Calibri" panose="020F0502020204030204" pitchFamily="34" charset="0"/>
+                <a:cs typeface="Times New Roman" panose="02020603050405020304" pitchFamily="18" charset="0"/>
+              </a:rPr>
+              <a:t>1. Few-Shot Prompting – Giving Examples to Set Patterns</a:t>
+            </a:r>
+            <a:endParaRPr lang="en-US" sz="2400" kern="100" dirty="0">
+              <a:solidFill>
+                <a:schemeClr val="accent6">
+                  <a:lumMod val="60000"/>
+                  <a:lumOff val="40000"/>
+                </a:schemeClr>
+              </a:solidFill>
+              <a:effectLst/>
+              <a:latin typeface="Calibri" panose="020F0502020204030204" pitchFamily="34" charset="0"/>
+              <a:ea typeface="Calibri" panose="020F0502020204030204" pitchFamily="34" charset="0"/>
+              <a:cs typeface="Times New Roman" panose="02020603050405020304" pitchFamily="18" charset="0"/>
+            </a:endParaRPr>
+          </a:p>
+          <a:p>
+            <a:pPr marL="0" marR="0">
+              <a:lnSpc>
+                <a:spcPct val="115000"/>
+              </a:lnSpc>
+              <a:spcAft>
+                <a:spcPts val="800"/>
+              </a:spcAft>
+              <a:buNone/>
+            </a:pPr>
+            <a:r>
+              <a:rPr lang="en-US" sz="2400" b="1" kern="100" dirty="0">
+                <a:solidFill>
+                  <a:schemeClr val="accent6">
+                    <a:lumMod val="60000"/>
+                    <a:lumOff val="40000"/>
+                  </a:schemeClr>
+                </a:solidFill>
+                <a:effectLst/>
+                <a:latin typeface="Calibri" panose="020F0502020204030204" pitchFamily="34" charset="0"/>
+                <a:ea typeface="Calibri" panose="020F0502020204030204" pitchFamily="34" charset="0"/>
+                <a:cs typeface="Times New Roman" panose="02020603050405020304" pitchFamily="18" charset="0"/>
+              </a:rPr>
+              <a:t>What is Few-Shot Prompting?</a:t>
+            </a:r>
+            <a:endParaRPr lang="en-US" sz="2400" kern="100" dirty="0">
+              <a:solidFill>
+                <a:schemeClr val="accent6">
+                  <a:lumMod val="60000"/>
+                  <a:lumOff val="40000"/>
+                </a:schemeClr>
+              </a:solidFill>
+              <a:effectLst/>
+              <a:latin typeface="Calibri" panose="020F0502020204030204" pitchFamily="34" charset="0"/>
+              <a:ea typeface="Calibri" panose="020F0502020204030204" pitchFamily="34" charset="0"/>
+              <a:cs typeface="Times New Roman" panose="02020603050405020304" pitchFamily="18" charset="0"/>
+            </a:endParaRPr>
+          </a:p>
+          <a:p>
+            <a:pPr marL="0" marR="0">
+              <a:lnSpc>
+                <a:spcPct val="115000"/>
+              </a:lnSpc>
+              <a:spcAft>
+                <a:spcPts val="800"/>
+              </a:spcAft>
+              <a:buNone/>
+            </a:pPr>
+            <a:r>
+              <a:rPr lang="en-US" sz="2400" kern="100" dirty="0">
+                <a:solidFill>
+                  <a:schemeClr val="accent6">
+                    <a:lumMod val="60000"/>
+                    <a:lumOff val="40000"/>
+                  </a:schemeClr>
+                </a:solidFill>
+                <a:effectLst/>
+                <a:latin typeface="Calibri" panose="020F0502020204030204" pitchFamily="34" charset="0"/>
+                <a:ea typeface="Calibri" panose="020F0502020204030204" pitchFamily="34" charset="0"/>
+                <a:cs typeface="Times New Roman" panose="02020603050405020304" pitchFamily="18" charset="0"/>
+              </a:rPr>
+              <a:t>Few-Shot Prompting is a technique where we provide </a:t>
+            </a:r>
+            <a:r>
+              <a:rPr lang="en-US" sz="2400" b="1" kern="100" dirty="0">
+                <a:solidFill>
+                  <a:schemeClr val="accent6">
+                    <a:lumMod val="60000"/>
+                    <a:lumOff val="40000"/>
+                  </a:schemeClr>
+                </a:solidFill>
+                <a:effectLst/>
+                <a:latin typeface="Calibri" panose="020F0502020204030204" pitchFamily="34" charset="0"/>
+                <a:ea typeface="Calibri" panose="020F0502020204030204" pitchFamily="34" charset="0"/>
+                <a:cs typeface="Times New Roman" panose="02020603050405020304" pitchFamily="18" charset="0"/>
+              </a:rPr>
+              <a:t>a few examples</a:t>
+            </a:r>
+            <a:r>
+              <a:rPr lang="en-US" sz="2400" kern="100" dirty="0">
+                <a:solidFill>
+                  <a:schemeClr val="accent6">
+                    <a:lumMod val="60000"/>
+                    <a:lumOff val="40000"/>
+                  </a:schemeClr>
+                </a:solidFill>
+                <a:effectLst/>
+                <a:latin typeface="Calibri" panose="020F0502020204030204" pitchFamily="34" charset="0"/>
+                <a:ea typeface="Calibri" panose="020F0502020204030204" pitchFamily="34" charset="0"/>
+                <a:cs typeface="Times New Roman" panose="02020603050405020304" pitchFamily="18" charset="0"/>
+              </a:rPr>
+              <a:t> to the AI before asking it to perform a task. </a:t>
+            </a:r>
+          </a:p>
+          <a:p>
+            <a:pPr marL="0" marR="0">
+              <a:lnSpc>
+                <a:spcPct val="115000"/>
+              </a:lnSpc>
+              <a:spcAft>
+                <a:spcPts val="800"/>
+              </a:spcAft>
+              <a:buNone/>
+            </a:pPr>
+            <a:r>
+              <a:rPr lang="en-US" sz="2400" kern="100" dirty="0">
+                <a:solidFill>
+                  <a:schemeClr val="accent6">
+                    <a:lumMod val="60000"/>
+                    <a:lumOff val="40000"/>
+                  </a:schemeClr>
+                </a:solidFill>
+                <a:effectLst/>
+                <a:latin typeface="Calibri" panose="020F0502020204030204" pitchFamily="34" charset="0"/>
+                <a:ea typeface="Calibri" panose="020F0502020204030204" pitchFamily="34" charset="0"/>
+                <a:cs typeface="Times New Roman" panose="02020603050405020304" pitchFamily="18" charset="0"/>
+              </a:rPr>
+              <a:t>These examples help the AI understand the </a:t>
+            </a:r>
+            <a:r>
+              <a:rPr lang="en-US" sz="2400" b="1" kern="100" dirty="0">
+                <a:solidFill>
+                  <a:schemeClr val="accent6">
+                    <a:lumMod val="60000"/>
+                    <a:lumOff val="40000"/>
+                  </a:schemeClr>
+                </a:solidFill>
+                <a:effectLst/>
+                <a:latin typeface="Calibri" panose="020F0502020204030204" pitchFamily="34" charset="0"/>
+                <a:ea typeface="Calibri" panose="020F0502020204030204" pitchFamily="34" charset="0"/>
+                <a:cs typeface="Times New Roman" panose="02020603050405020304" pitchFamily="18" charset="0"/>
+              </a:rPr>
+              <a:t>pattern, tone, style, and expected output</a:t>
+            </a:r>
+            <a:r>
+              <a:rPr lang="en-US" sz="2400" kern="100" dirty="0">
+                <a:solidFill>
+                  <a:schemeClr val="accent6">
+                    <a:lumMod val="60000"/>
+                    <a:lumOff val="40000"/>
+                  </a:schemeClr>
+                </a:solidFill>
+                <a:effectLst/>
+                <a:latin typeface="Calibri" panose="020F0502020204030204" pitchFamily="34" charset="0"/>
+                <a:ea typeface="Calibri" panose="020F0502020204030204" pitchFamily="34" charset="0"/>
+                <a:cs typeface="Times New Roman" panose="02020603050405020304" pitchFamily="18" charset="0"/>
+              </a:rPr>
+              <a:t>.</a:t>
+            </a:r>
+          </a:p>
+          <a:p>
+            <a:pPr marL="0" marR="0">
+              <a:lnSpc>
+                <a:spcPct val="115000"/>
+              </a:lnSpc>
+              <a:spcAft>
+                <a:spcPts val="800"/>
+              </a:spcAft>
+              <a:buNone/>
+            </a:pPr>
+            <a:endParaRPr lang="en-US" sz="2400" kern="100" dirty="0">
+              <a:solidFill>
+                <a:schemeClr val="accent6">
+                  <a:lumMod val="60000"/>
+                  <a:lumOff val="40000"/>
+                </a:schemeClr>
+              </a:solidFill>
+              <a:effectLst/>
+              <a:latin typeface="Calibri" panose="020F0502020204030204" pitchFamily="34" charset="0"/>
+              <a:ea typeface="Calibri" panose="020F0502020204030204" pitchFamily="34" charset="0"/>
+              <a:cs typeface="Times New Roman" panose="02020603050405020304" pitchFamily="18" charset="0"/>
+            </a:endParaRPr>
+          </a:p>
+          <a:p>
+            <a:pPr marL="0" marR="0">
+              <a:lnSpc>
+                <a:spcPct val="115000"/>
+              </a:lnSpc>
+              <a:spcAft>
+                <a:spcPts val="800"/>
+              </a:spcAft>
+              <a:buNone/>
+            </a:pPr>
+            <a:r>
+              <a:rPr lang="en-US" sz="2400" kern="100" dirty="0">
+                <a:solidFill>
+                  <a:schemeClr val="accent6">
+                    <a:lumMod val="60000"/>
+                    <a:lumOff val="40000"/>
+                  </a:schemeClr>
+                </a:solidFill>
+                <a:effectLst/>
+                <a:latin typeface="Calibri" panose="020F0502020204030204" pitchFamily="34" charset="0"/>
+                <a:ea typeface="Calibri" panose="020F0502020204030204" pitchFamily="34" charset="0"/>
+                <a:cs typeface="Times New Roman" panose="02020603050405020304" pitchFamily="18" charset="0"/>
+              </a:rPr>
+              <a:t>Instead of only telling AI what to do, we </a:t>
+            </a:r>
+            <a:r>
+              <a:rPr lang="en-US" sz="2400" b="1" kern="100" dirty="0">
+                <a:solidFill>
+                  <a:schemeClr val="accent6">
+                    <a:lumMod val="60000"/>
+                    <a:lumOff val="40000"/>
+                  </a:schemeClr>
+                </a:solidFill>
+                <a:effectLst/>
+                <a:latin typeface="Calibri" panose="020F0502020204030204" pitchFamily="34" charset="0"/>
+                <a:ea typeface="Calibri" panose="020F0502020204030204" pitchFamily="34" charset="0"/>
+                <a:cs typeface="Times New Roman" panose="02020603050405020304" pitchFamily="18" charset="0"/>
+              </a:rPr>
+              <a:t>show it how to do it</a:t>
+            </a:r>
+            <a:r>
+              <a:rPr lang="en-US" sz="2400" kern="100" dirty="0">
+                <a:solidFill>
+                  <a:schemeClr val="accent6">
+                    <a:lumMod val="60000"/>
+                    <a:lumOff val="40000"/>
+                  </a:schemeClr>
+                </a:solidFill>
+                <a:effectLst/>
+                <a:latin typeface="Calibri" panose="020F0502020204030204" pitchFamily="34" charset="0"/>
+                <a:ea typeface="Calibri" panose="020F0502020204030204" pitchFamily="34" charset="0"/>
+                <a:cs typeface="Times New Roman" panose="02020603050405020304" pitchFamily="18" charset="0"/>
+              </a:rPr>
+              <a:t>.</a:t>
             </a:r>
           </a:p>
         </p:txBody>
@@ -3810,6 +6233,1777 @@
     <p:extLst>
       <p:ext uri="{BB962C8B-B14F-4D97-AF65-F5344CB8AC3E}">
         <p14:creationId xmlns:p14="http://schemas.microsoft.com/office/powerpoint/2010/main" val="3227882609"/>
+      </p:ext>
+    </p:extLst>
+  </p:cSld>
+  <p:clrMapOvr>
+    <a:masterClrMapping/>
+  </p:clrMapOvr>
+</p:sld>
+</file>
+
+<file path=ppt/slides/slide20.xml><?xml version="1.0" encoding="utf-8"?>
+<p:sld xmlns:a="http://schemas.openxmlformats.org/drawingml/2006/main" xmlns:r="http://schemas.openxmlformats.org/officeDocument/2006/relationships" xmlns:p="http://schemas.openxmlformats.org/presentationml/2006/main">
+  <p:cSld>
+    <p:spTree>
+      <p:nvGrpSpPr>
+        <p:cNvPr id="1" name="">
+          <a:extLst>
+            <a:ext uri="{FF2B5EF4-FFF2-40B4-BE49-F238E27FC236}">
+              <a16:creationId xmlns:a16="http://schemas.microsoft.com/office/drawing/2014/main" id="{C9EB4D79-9005-9CB8-9582-FE1E84822DD6}"/>
+            </a:ext>
+          </a:extLst>
+        </p:cNvPr>
+        <p:cNvGrpSpPr/>
+        <p:nvPr/>
+      </p:nvGrpSpPr>
+      <p:grpSpPr>
+        <a:xfrm>
+          <a:off x="0" y="0"/>
+          <a:ext cx="0" cy="0"/>
+          <a:chOff x="0" y="0"/>
+          <a:chExt cx="0" cy="0"/>
+        </a:xfrm>
+      </p:grpSpPr>
+      <p:sp>
+        <p:nvSpPr>
+          <p:cNvPr id="4" name="TextBox 3">
+            <a:extLst>
+              <a:ext uri="{FF2B5EF4-FFF2-40B4-BE49-F238E27FC236}">
+                <a16:creationId xmlns:a16="http://schemas.microsoft.com/office/drawing/2014/main" id="{D4B3DECA-C761-7214-4C5B-83C792E570DA}"/>
+              </a:ext>
+            </a:extLst>
+          </p:cNvPr>
+          <p:cNvSpPr txBox="1"/>
+          <p:nvPr/>
+        </p:nvSpPr>
+        <p:spPr>
+          <a:xfrm>
+            <a:off x="182880" y="312874"/>
+            <a:ext cx="11713464" cy="6370975"/>
+          </a:xfrm>
+          <a:prstGeom prst="rect">
+            <a:avLst/>
+          </a:prstGeom>
+          <a:noFill/>
+        </p:spPr>
+        <p:txBody>
+          <a:bodyPr wrap="square">
+            <a:spAutoFit/>
+          </a:bodyPr>
+          <a:lstStyle/>
+          <a:p>
+            <a:r>
+              <a:rPr lang="en-US" sz="2400" b="1" dirty="0">
+                <a:solidFill>
+                  <a:schemeClr val="accent6">
+                    <a:lumMod val="60000"/>
+                    <a:lumOff val="40000"/>
+                  </a:schemeClr>
+                </a:solidFill>
+              </a:rPr>
+              <a:t>Combining All Three Techniques: </a:t>
+            </a:r>
+            <a:r>
+              <a:rPr lang="en-US" sz="2400" dirty="0">
+                <a:solidFill>
+                  <a:schemeClr val="accent6">
+                    <a:lumMod val="60000"/>
+                    <a:lumOff val="40000"/>
+                  </a:schemeClr>
+                </a:solidFill>
+              </a:rPr>
+              <a:t>These techniques can be used together for best results.</a:t>
+            </a:r>
+          </a:p>
+          <a:p>
+            <a:endParaRPr lang="en-US" sz="2400" dirty="0">
+              <a:solidFill>
+                <a:schemeClr val="accent6">
+                  <a:lumMod val="60000"/>
+                  <a:lumOff val="40000"/>
+                </a:schemeClr>
+              </a:solidFill>
+            </a:endParaRPr>
+          </a:p>
+          <a:p>
+            <a:r>
+              <a:rPr lang="en-US" sz="2400" b="1" dirty="0">
+                <a:solidFill>
+                  <a:schemeClr val="accent6">
+                    <a:lumMod val="60000"/>
+                    <a:lumOff val="40000"/>
+                  </a:schemeClr>
+                </a:solidFill>
+              </a:rPr>
+              <a:t>Example Combined Prompt</a:t>
+            </a:r>
+            <a:endParaRPr lang="en-US" sz="2400" dirty="0">
+              <a:solidFill>
+                <a:schemeClr val="accent6">
+                  <a:lumMod val="60000"/>
+                  <a:lumOff val="40000"/>
+                </a:schemeClr>
+              </a:solidFill>
+            </a:endParaRPr>
+          </a:p>
+          <a:p>
+            <a:r>
+              <a:rPr lang="en-US" sz="2400" dirty="0">
+                <a:solidFill>
+                  <a:schemeClr val="accent6">
+                    <a:lumMod val="60000"/>
+                    <a:lumOff val="40000"/>
+                  </a:schemeClr>
+                </a:solidFill>
+              </a:rPr>
+              <a:t>Act as a Senior Data Scientist.</a:t>
+            </a:r>
+          </a:p>
+          <a:p>
+            <a:r>
+              <a:rPr lang="en-US" sz="2400" dirty="0">
+                <a:solidFill>
+                  <a:schemeClr val="accent6">
+                    <a:lumMod val="60000"/>
+                    <a:lumOff val="40000"/>
+                  </a:schemeClr>
+                </a:solidFill>
+              </a:rPr>
+              <a:t> </a:t>
+            </a:r>
+          </a:p>
+          <a:p>
+            <a:r>
+              <a:rPr lang="en-US" sz="2400" dirty="0">
+                <a:solidFill>
+                  <a:schemeClr val="accent6">
+                    <a:lumMod val="60000"/>
+                    <a:lumOff val="40000"/>
+                  </a:schemeClr>
+                </a:solidFill>
+              </a:rPr>
+              <a:t>Below are examples of sentiment classification:</a:t>
+            </a:r>
+          </a:p>
+          <a:p>
+            <a:r>
+              <a:rPr lang="en-US" sz="2400" dirty="0">
+                <a:solidFill>
+                  <a:schemeClr val="accent6">
+                    <a:lumMod val="60000"/>
+                    <a:lumOff val="40000"/>
+                  </a:schemeClr>
+                </a:solidFill>
+              </a:rPr>
+              <a:t> </a:t>
+            </a:r>
+          </a:p>
+          <a:p>
+            <a:r>
+              <a:rPr lang="en-US" sz="2400" dirty="0">
+                <a:solidFill>
+                  <a:schemeClr val="accent6">
+                    <a:lumMod val="60000"/>
+                    <a:lumOff val="40000"/>
+                  </a:schemeClr>
+                </a:solidFill>
+              </a:rPr>
+              <a:t>Example 1:</a:t>
+            </a:r>
+          </a:p>
+          <a:p>
+            <a:r>
+              <a:rPr lang="en-US" sz="2400" dirty="0">
+                <a:solidFill>
+                  <a:schemeClr val="accent6">
+                    <a:lumMod val="60000"/>
+                    <a:lumOff val="40000"/>
+                  </a:schemeClr>
+                </a:solidFill>
+              </a:rPr>
+              <a:t>Text: I love this product.</a:t>
+            </a:r>
+          </a:p>
+          <a:p>
+            <a:r>
+              <a:rPr lang="en-US" sz="2400" dirty="0">
+                <a:solidFill>
+                  <a:schemeClr val="accent6">
+                    <a:lumMod val="60000"/>
+                    <a:lumOff val="40000"/>
+                  </a:schemeClr>
+                </a:solidFill>
+              </a:rPr>
+              <a:t>Sentiment: Positive</a:t>
+            </a:r>
+          </a:p>
+          <a:p>
+            <a:r>
+              <a:rPr lang="en-US" sz="2400" dirty="0">
+                <a:solidFill>
+                  <a:schemeClr val="accent6">
+                    <a:lumMod val="60000"/>
+                    <a:lumOff val="40000"/>
+                  </a:schemeClr>
+                </a:solidFill>
+              </a:rPr>
+              <a:t> </a:t>
+            </a:r>
+          </a:p>
+          <a:p>
+            <a:r>
+              <a:rPr lang="en-US" sz="2400" dirty="0">
+                <a:solidFill>
+                  <a:schemeClr val="accent6">
+                    <a:lumMod val="60000"/>
+                    <a:lumOff val="40000"/>
+                  </a:schemeClr>
+                </a:solidFill>
+              </a:rPr>
+              <a:t>Example 2:</a:t>
+            </a:r>
+          </a:p>
+          <a:p>
+            <a:r>
+              <a:rPr lang="en-US" sz="2400" dirty="0">
+                <a:solidFill>
+                  <a:schemeClr val="accent6">
+                    <a:lumMod val="60000"/>
+                    <a:lumOff val="40000"/>
+                  </a:schemeClr>
+                </a:solidFill>
+              </a:rPr>
+              <a:t>Text: This service is terrible.</a:t>
+            </a:r>
+          </a:p>
+          <a:p>
+            <a:r>
+              <a:rPr lang="en-US" sz="2400" dirty="0">
+                <a:solidFill>
+                  <a:schemeClr val="accent6">
+                    <a:lumMod val="60000"/>
+                    <a:lumOff val="40000"/>
+                  </a:schemeClr>
+                </a:solidFill>
+              </a:rPr>
+              <a:t>Sentiment: Negative</a:t>
+            </a:r>
+          </a:p>
+          <a:p>
+            <a:r>
+              <a:rPr lang="en-US" sz="2400" dirty="0">
+                <a:solidFill>
+                  <a:schemeClr val="accent6">
+                    <a:lumMod val="60000"/>
+                    <a:lumOff val="40000"/>
+                  </a:schemeClr>
+                </a:solidFill>
+              </a:rPr>
+              <a:t> </a:t>
+            </a:r>
+          </a:p>
+          <a:p>
+            <a:r>
+              <a:rPr lang="en-US" sz="2400" dirty="0">
+                <a:solidFill>
+                  <a:schemeClr val="accent6">
+                    <a:lumMod val="60000"/>
+                    <a:lumOff val="40000"/>
+                  </a:schemeClr>
+                </a:solidFill>
+              </a:rPr>
+              <a:t>Now classify the following text step-by-step:</a:t>
+            </a:r>
+          </a:p>
+          <a:p>
+            <a:r>
+              <a:rPr lang="en-US" sz="2400" dirty="0">
+                <a:solidFill>
+                  <a:schemeClr val="accent6">
+                    <a:lumMod val="60000"/>
+                    <a:lumOff val="40000"/>
+                  </a:schemeClr>
+                </a:solidFill>
+              </a:rPr>
+              <a:t> Text: The experience was okay but could improve.</a:t>
+            </a:r>
+          </a:p>
+        </p:txBody>
+      </p:sp>
+    </p:spTree>
+    <p:extLst>
+      <p:ext uri="{BB962C8B-B14F-4D97-AF65-F5344CB8AC3E}">
+        <p14:creationId xmlns:p14="http://schemas.microsoft.com/office/powerpoint/2010/main" val="1985223092"/>
+      </p:ext>
+    </p:extLst>
+  </p:cSld>
+  <p:clrMapOvr>
+    <a:masterClrMapping/>
+  </p:clrMapOvr>
+</p:sld>
+</file>
+
+<file path=ppt/slides/slide21.xml><?xml version="1.0" encoding="utf-8"?>
+<p:sld xmlns:a="http://schemas.openxmlformats.org/drawingml/2006/main" xmlns:r="http://schemas.openxmlformats.org/officeDocument/2006/relationships" xmlns:p="http://schemas.openxmlformats.org/presentationml/2006/main">
+  <p:cSld>
+    <p:spTree>
+      <p:nvGrpSpPr>
+        <p:cNvPr id="1" name="">
+          <a:extLst>
+            <a:ext uri="{FF2B5EF4-FFF2-40B4-BE49-F238E27FC236}">
+              <a16:creationId xmlns:a16="http://schemas.microsoft.com/office/drawing/2014/main" id="{6BD25ABB-866E-4103-D915-9B3C4FBDA832}"/>
+            </a:ext>
+          </a:extLst>
+        </p:cNvPr>
+        <p:cNvGrpSpPr/>
+        <p:nvPr/>
+      </p:nvGrpSpPr>
+      <p:grpSpPr>
+        <a:xfrm>
+          <a:off x="0" y="0"/>
+          <a:ext cx="0" cy="0"/>
+          <a:chOff x="0" y="0"/>
+          <a:chExt cx="0" cy="0"/>
+        </a:xfrm>
+      </p:grpSpPr>
+    </p:spTree>
+    <p:extLst>
+      <p:ext uri="{BB962C8B-B14F-4D97-AF65-F5344CB8AC3E}">
+        <p14:creationId xmlns:p14="http://schemas.microsoft.com/office/powerpoint/2010/main" val="3013544641"/>
+      </p:ext>
+    </p:extLst>
+  </p:cSld>
+  <p:clrMapOvr>
+    <a:masterClrMapping/>
+  </p:clrMapOvr>
+</p:sld>
+</file>
+
+<file path=ppt/slides/slide3.xml><?xml version="1.0" encoding="utf-8"?>
+<p:sld xmlns:a="http://schemas.openxmlformats.org/drawingml/2006/main" xmlns:r="http://schemas.openxmlformats.org/officeDocument/2006/relationships" xmlns:p="http://schemas.openxmlformats.org/presentationml/2006/main">
+  <p:cSld>
+    <p:spTree>
+      <p:nvGrpSpPr>
+        <p:cNvPr id="1" name="">
+          <a:extLst>
+            <a:ext uri="{FF2B5EF4-FFF2-40B4-BE49-F238E27FC236}">
+              <a16:creationId xmlns:a16="http://schemas.microsoft.com/office/drawing/2014/main" id="{579C0A6F-D909-5B84-1C71-49704119C265}"/>
+            </a:ext>
+          </a:extLst>
+        </p:cNvPr>
+        <p:cNvGrpSpPr/>
+        <p:nvPr/>
+      </p:nvGrpSpPr>
+      <p:grpSpPr>
+        <a:xfrm>
+          <a:off x="0" y="0"/>
+          <a:ext cx="0" cy="0"/>
+          <a:chOff x="0" y="0"/>
+          <a:chExt cx="0" cy="0"/>
+        </a:xfrm>
+      </p:grpSpPr>
+      <p:sp>
+        <p:nvSpPr>
+          <p:cNvPr id="4" name="TextBox 3">
+            <a:extLst>
+              <a:ext uri="{FF2B5EF4-FFF2-40B4-BE49-F238E27FC236}">
+                <a16:creationId xmlns:a16="http://schemas.microsoft.com/office/drawing/2014/main" id="{91333E31-0DC4-A0DE-B446-20AB4F3518FC}"/>
+              </a:ext>
+            </a:extLst>
+          </p:cNvPr>
+          <p:cNvSpPr txBox="1"/>
+          <p:nvPr/>
+        </p:nvSpPr>
+        <p:spPr>
+          <a:xfrm>
+            <a:off x="594360" y="962098"/>
+            <a:ext cx="10780776" cy="2677656"/>
+          </a:xfrm>
+          <a:prstGeom prst="rect">
+            <a:avLst/>
+          </a:prstGeom>
+          <a:noFill/>
+        </p:spPr>
+        <p:txBody>
+          <a:bodyPr wrap="square">
+            <a:spAutoFit/>
+          </a:bodyPr>
+          <a:lstStyle/>
+          <a:p>
+            <a:r>
+              <a:rPr lang="en-US" sz="2400" b="1" dirty="0">
+                <a:solidFill>
+                  <a:schemeClr val="accent6">
+                    <a:lumMod val="60000"/>
+                    <a:lumOff val="40000"/>
+                  </a:schemeClr>
+                </a:solidFill>
+              </a:rPr>
+              <a:t>How Few-Shot Prompting Works</a:t>
+            </a:r>
+          </a:p>
+          <a:p>
+            <a:endParaRPr lang="en-US" sz="2400" dirty="0">
+              <a:solidFill>
+                <a:schemeClr val="accent6">
+                  <a:lumMod val="60000"/>
+                  <a:lumOff val="40000"/>
+                </a:schemeClr>
+              </a:solidFill>
+            </a:endParaRPr>
+          </a:p>
+          <a:p>
+            <a:r>
+              <a:rPr lang="en-US" sz="2400" dirty="0">
+                <a:solidFill>
+                  <a:schemeClr val="accent6">
+                    <a:lumMod val="60000"/>
+                    <a:lumOff val="40000"/>
+                  </a:schemeClr>
+                </a:solidFill>
+              </a:rPr>
+              <a:t>The prompt usually contains:</a:t>
+            </a:r>
+          </a:p>
+          <a:p>
+            <a:pPr lvl="0"/>
+            <a:endParaRPr lang="en-US" sz="2400" dirty="0">
+              <a:solidFill>
+                <a:schemeClr val="accent6">
+                  <a:lumMod val="60000"/>
+                  <a:lumOff val="40000"/>
+                </a:schemeClr>
+              </a:solidFill>
+            </a:endParaRPr>
+          </a:p>
+          <a:p>
+            <a:pPr marL="285750" lvl="0" indent="-285750">
+              <a:buFont typeface="Arial" panose="020B0604020202020204" pitchFamily="34" charset="0"/>
+              <a:buChar char="•"/>
+            </a:pPr>
+            <a:r>
+              <a:rPr lang="en-US" sz="2400" dirty="0">
+                <a:solidFill>
+                  <a:schemeClr val="accent6">
+                    <a:lumMod val="60000"/>
+                    <a:lumOff val="40000"/>
+                  </a:schemeClr>
+                </a:solidFill>
+              </a:rPr>
+              <a:t>Example Inputs</a:t>
+            </a:r>
+          </a:p>
+          <a:p>
+            <a:pPr marL="285750" lvl="0" indent="-285750">
+              <a:buFont typeface="Arial" panose="020B0604020202020204" pitchFamily="34" charset="0"/>
+              <a:buChar char="•"/>
+            </a:pPr>
+            <a:r>
+              <a:rPr lang="en-US" sz="2400" dirty="0">
+                <a:solidFill>
+                  <a:schemeClr val="accent6">
+                    <a:lumMod val="60000"/>
+                    <a:lumOff val="40000"/>
+                  </a:schemeClr>
+                </a:solidFill>
+              </a:rPr>
+              <a:t>Example Outputs</a:t>
+            </a:r>
+          </a:p>
+          <a:p>
+            <a:pPr marL="285750" lvl="0" indent="-285750">
+              <a:buFont typeface="Arial" panose="020B0604020202020204" pitchFamily="34" charset="0"/>
+              <a:buChar char="•"/>
+            </a:pPr>
+            <a:r>
+              <a:rPr lang="en-US" sz="2400" dirty="0">
+                <a:solidFill>
+                  <a:schemeClr val="accent6">
+                    <a:lumMod val="60000"/>
+                    <a:lumOff val="40000"/>
+                  </a:schemeClr>
+                </a:solidFill>
+              </a:rPr>
+              <a:t>New Input for AI to solve</a:t>
+            </a:r>
+          </a:p>
+        </p:txBody>
+      </p:sp>
+    </p:spTree>
+    <p:extLst>
+      <p:ext uri="{BB962C8B-B14F-4D97-AF65-F5344CB8AC3E}">
+        <p14:creationId xmlns:p14="http://schemas.microsoft.com/office/powerpoint/2010/main" val="2079862484"/>
+      </p:ext>
+    </p:extLst>
+  </p:cSld>
+  <p:clrMapOvr>
+    <a:masterClrMapping/>
+  </p:clrMapOvr>
+</p:sld>
+</file>
+
+<file path=ppt/slides/slide4.xml><?xml version="1.0" encoding="utf-8"?>
+<p:sld xmlns:a="http://schemas.openxmlformats.org/drawingml/2006/main" xmlns:r="http://schemas.openxmlformats.org/officeDocument/2006/relationships" xmlns:p="http://schemas.openxmlformats.org/presentationml/2006/main">
+  <p:cSld>
+    <p:spTree>
+      <p:nvGrpSpPr>
+        <p:cNvPr id="1" name="">
+          <a:extLst>
+            <a:ext uri="{FF2B5EF4-FFF2-40B4-BE49-F238E27FC236}">
+              <a16:creationId xmlns:a16="http://schemas.microsoft.com/office/drawing/2014/main" id="{63FF0C6E-6928-C400-D97B-BE43314799EF}"/>
+            </a:ext>
+          </a:extLst>
+        </p:cNvPr>
+        <p:cNvGrpSpPr/>
+        <p:nvPr/>
+      </p:nvGrpSpPr>
+      <p:grpSpPr>
+        <a:xfrm>
+          <a:off x="0" y="0"/>
+          <a:ext cx="0" cy="0"/>
+          <a:chOff x="0" y="0"/>
+          <a:chExt cx="0" cy="0"/>
+        </a:xfrm>
+      </p:grpSpPr>
+      <p:sp>
+        <p:nvSpPr>
+          <p:cNvPr id="4" name="TextBox 3">
+            <a:extLst>
+              <a:ext uri="{FF2B5EF4-FFF2-40B4-BE49-F238E27FC236}">
+                <a16:creationId xmlns:a16="http://schemas.microsoft.com/office/drawing/2014/main" id="{1CEE7EA1-24A8-21FF-74C3-7B1C9CE17E95}"/>
+              </a:ext>
+            </a:extLst>
+          </p:cNvPr>
+          <p:cNvSpPr txBox="1"/>
+          <p:nvPr/>
+        </p:nvSpPr>
+        <p:spPr>
+          <a:xfrm>
+            <a:off x="594360" y="962098"/>
+            <a:ext cx="10780776" cy="2677656"/>
+          </a:xfrm>
+          <a:prstGeom prst="rect">
+            <a:avLst/>
+          </a:prstGeom>
+          <a:noFill/>
+        </p:spPr>
+        <p:txBody>
+          <a:bodyPr wrap="square">
+            <a:spAutoFit/>
+          </a:bodyPr>
+          <a:lstStyle/>
+          <a:p>
+            <a:r>
+              <a:rPr lang="en-US" sz="2400" b="1" dirty="0">
+                <a:solidFill>
+                  <a:schemeClr val="accent6">
+                    <a:lumMod val="60000"/>
+                    <a:lumOff val="40000"/>
+                  </a:schemeClr>
+                </a:solidFill>
+              </a:rPr>
+              <a:t>Example Without Few-Shot Prompting</a:t>
+            </a:r>
+          </a:p>
+          <a:p>
+            <a:endParaRPr lang="en-US" sz="2400" dirty="0">
+              <a:solidFill>
+                <a:schemeClr val="accent6">
+                  <a:lumMod val="60000"/>
+                  <a:lumOff val="40000"/>
+                </a:schemeClr>
+              </a:solidFill>
+            </a:endParaRPr>
+          </a:p>
+          <a:p>
+            <a:r>
+              <a:rPr lang="en-US" sz="2400" dirty="0">
+                <a:solidFill>
+                  <a:schemeClr val="accent6">
+                    <a:lumMod val="60000"/>
+                    <a:lumOff val="40000"/>
+                  </a:schemeClr>
+                </a:solidFill>
+              </a:rPr>
+              <a:t>Prompt:</a:t>
+            </a:r>
+          </a:p>
+          <a:p>
+            <a:r>
+              <a:rPr lang="en-US" sz="2400" dirty="0">
+                <a:solidFill>
+                  <a:schemeClr val="accent6">
+                    <a:lumMod val="60000"/>
+                    <a:lumOff val="40000"/>
+                  </a:schemeClr>
+                </a:solidFill>
+              </a:rPr>
+              <a:t>Convert the sentence into a positive sentiment.</a:t>
+            </a:r>
+          </a:p>
+          <a:p>
+            <a:r>
+              <a:rPr lang="en-US" sz="2400" dirty="0">
+                <a:solidFill>
+                  <a:schemeClr val="accent6">
+                    <a:lumMod val="60000"/>
+                    <a:lumOff val="40000"/>
+                  </a:schemeClr>
+                </a:solidFill>
+              </a:rPr>
+              <a:t>"I hate rainy days.“</a:t>
+            </a:r>
+          </a:p>
+          <a:p>
+            <a:endParaRPr lang="en-US" sz="2400" dirty="0">
+              <a:solidFill>
+                <a:schemeClr val="accent6">
+                  <a:lumMod val="60000"/>
+                  <a:lumOff val="40000"/>
+                </a:schemeClr>
+              </a:solidFill>
+            </a:endParaRPr>
+          </a:p>
+          <a:p>
+            <a:r>
+              <a:rPr lang="en-US" sz="2400" dirty="0">
+                <a:solidFill>
+                  <a:schemeClr val="accent6">
+                    <a:lumMod val="60000"/>
+                    <a:lumOff val="40000"/>
+                  </a:schemeClr>
+                </a:solidFill>
+              </a:rPr>
+              <a:t>AI output may vary and may not follow consistent structure.</a:t>
+            </a:r>
+          </a:p>
+        </p:txBody>
+      </p:sp>
+    </p:spTree>
+    <p:extLst>
+      <p:ext uri="{BB962C8B-B14F-4D97-AF65-F5344CB8AC3E}">
+        <p14:creationId xmlns:p14="http://schemas.microsoft.com/office/powerpoint/2010/main" val="3415991068"/>
+      </p:ext>
+    </p:extLst>
+  </p:cSld>
+  <p:clrMapOvr>
+    <a:masterClrMapping/>
+  </p:clrMapOvr>
+</p:sld>
+</file>
+
+<file path=ppt/slides/slide5.xml><?xml version="1.0" encoding="utf-8"?>
+<p:sld xmlns:a="http://schemas.openxmlformats.org/drawingml/2006/main" xmlns:r="http://schemas.openxmlformats.org/officeDocument/2006/relationships" xmlns:p="http://schemas.openxmlformats.org/presentationml/2006/main">
+  <p:cSld>
+    <p:spTree>
+      <p:nvGrpSpPr>
+        <p:cNvPr id="1" name="">
+          <a:extLst>
+            <a:ext uri="{FF2B5EF4-FFF2-40B4-BE49-F238E27FC236}">
+              <a16:creationId xmlns:a16="http://schemas.microsoft.com/office/drawing/2014/main" id="{3689AE34-5ADF-406F-9263-FC242ED45C18}"/>
+            </a:ext>
+          </a:extLst>
+        </p:cNvPr>
+        <p:cNvGrpSpPr/>
+        <p:nvPr/>
+      </p:nvGrpSpPr>
+      <p:grpSpPr>
+        <a:xfrm>
+          <a:off x="0" y="0"/>
+          <a:ext cx="0" cy="0"/>
+          <a:chOff x="0" y="0"/>
+          <a:chExt cx="0" cy="0"/>
+        </a:xfrm>
+      </p:grpSpPr>
+      <p:sp>
+        <p:nvSpPr>
+          <p:cNvPr id="4" name="TextBox 3">
+            <a:extLst>
+              <a:ext uri="{FF2B5EF4-FFF2-40B4-BE49-F238E27FC236}">
+                <a16:creationId xmlns:a16="http://schemas.microsoft.com/office/drawing/2014/main" id="{29293096-147D-9C1F-22BB-D0A06255A9D0}"/>
+              </a:ext>
+            </a:extLst>
+          </p:cNvPr>
+          <p:cNvSpPr txBox="1"/>
+          <p:nvPr/>
+        </p:nvSpPr>
+        <p:spPr>
+          <a:xfrm>
+            <a:off x="594360" y="312874"/>
+            <a:ext cx="10780776" cy="6740307"/>
+          </a:xfrm>
+          <a:prstGeom prst="rect">
+            <a:avLst/>
+          </a:prstGeom>
+          <a:noFill/>
+        </p:spPr>
+        <p:txBody>
+          <a:bodyPr wrap="square">
+            <a:spAutoFit/>
+          </a:bodyPr>
+          <a:lstStyle/>
+          <a:p>
+            <a:r>
+              <a:rPr lang="en-US" sz="2400" b="1" dirty="0">
+                <a:solidFill>
+                  <a:schemeClr val="accent6">
+                    <a:lumMod val="60000"/>
+                    <a:lumOff val="40000"/>
+                  </a:schemeClr>
+                </a:solidFill>
+              </a:rPr>
+              <a:t>Example With Few-Shot Prompting</a:t>
+            </a:r>
+            <a:endParaRPr lang="en-US" sz="2400" dirty="0">
+              <a:solidFill>
+                <a:schemeClr val="accent6">
+                  <a:lumMod val="60000"/>
+                  <a:lumOff val="40000"/>
+                </a:schemeClr>
+              </a:solidFill>
+            </a:endParaRPr>
+          </a:p>
+          <a:p>
+            <a:r>
+              <a:rPr lang="en-US" sz="2400" dirty="0">
+                <a:solidFill>
+                  <a:schemeClr val="accent6">
+                    <a:lumMod val="60000"/>
+                    <a:lumOff val="40000"/>
+                  </a:schemeClr>
+                </a:solidFill>
+              </a:rPr>
+              <a:t>Prompt:</a:t>
+            </a:r>
+          </a:p>
+          <a:p>
+            <a:r>
+              <a:rPr lang="en-US" sz="2400" dirty="0">
+                <a:solidFill>
+                  <a:schemeClr val="accent6">
+                    <a:lumMod val="60000"/>
+                    <a:lumOff val="40000"/>
+                  </a:schemeClr>
+                </a:solidFill>
+              </a:rPr>
+              <a:t>Convert sentences into positive sentiment.</a:t>
+            </a:r>
+          </a:p>
+          <a:p>
+            <a:r>
+              <a:rPr lang="en-US" sz="2400" dirty="0">
+                <a:solidFill>
+                  <a:schemeClr val="accent6">
+                    <a:lumMod val="60000"/>
+                    <a:lumOff val="40000"/>
+                  </a:schemeClr>
+                </a:solidFill>
+              </a:rPr>
+              <a:t> </a:t>
+            </a:r>
+          </a:p>
+          <a:p>
+            <a:r>
+              <a:rPr lang="en-US" sz="2400" dirty="0">
+                <a:solidFill>
+                  <a:schemeClr val="accent6">
+                    <a:lumMod val="60000"/>
+                    <a:lumOff val="40000"/>
+                  </a:schemeClr>
+                </a:solidFill>
+              </a:rPr>
+              <a:t>Example 1:</a:t>
+            </a:r>
+          </a:p>
+          <a:p>
+            <a:r>
+              <a:rPr lang="en-US" sz="2400" dirty="0">
+                <a:solidFill>
+                  <a:schemeClr val="accent6">
+                    <a:lumMod val="60000"/>
+                    <a:lumOff val="40000"/>
+                  </a:schemeClr>
+                </a:solidFill>
+              </a:rPr>
+              <a:t>Input: I hate waking up early.</a:t>
+            </a:r>
+          </a:p>
+          <a:p>
+            <a:r>
+              <a:rPr lang="en-US" sz="2400" dirty="0">
+                <a:solidFill>
+                  <a:schemeClr val="accent6">
+                    <a:lumMod val="60000"/>
+                    <a:lumOff val="40000"/>
+                  </a:schemeClr>
+                </a:solidFill>
+              </a:rPr>
+              <a:t>Output: Waking up early helps me stay productive.</a:t>
+            </a:r>
+          </a:p>
+          <a:p>
+            <a:r>
+              <a:rPr lang="en-US" sz="2400" dirty="0">
+                <a:solidFill>
+                  <a:schemeClr val="accent6">
+                    <a:lumMod val="60000"/>
+                    <a:lumOff val="40000"/>
+                  </a:schemeClr>
+                </a:solidFill>
+              </a:rPr>
+              <a:t> </a:t>
+            </a:r>
+          </a:p>
+          <a:p>
+            <a:r>
+              <a:rPr lang="en-US" sz="2400" dirty="0">
+                <a:solidFill>
+                  <a:schemeClr val="accent6">
+                    <a:lumMod val="60000"/>
+                    <a:lumOff val="40000"/>
+                  </a:schemeClr>
+                </a:solidFill>
+              </a:rPr>
+              <a:t>Example 2:</a:t>
+            </a:r>
+          </a:p>
+          <a:p>
+            <a:r>
+              <a:rPr lang="en-US" sz="2400" dirty="0">
+                <a:solidFill>
+                  <a:schemeClr val="accent6">
+                    <a:lumMod val="60000"/>
+                    <a:lumOff val="40000"/>
+                  </a:schemeClr>
+                </a:solidFill>
+              </a:rPr>
+              <a:t>Input: I dislike traffic.</a:t>
+            </a:r>
+          </a:p>
+          <a:p>
+            <a:r>
+              <a:rPr lang="en-US" sz="2400" dirty="0">
+                <a:solidFill>
+                  <a:schemeClr val="accent6">
+                    <a:lumMod val="60000"/>
+                    <a:lumOff val="40000"/>
+                  </a:schemeClr>
+                </a:solidFill>
+              </a:rPr>
+              <a:t>Output: Traveling gives me time to listen to music.</a:t>
+            </a:r>
+          </a:p>
+          <a:p>
+            <a:r>
+              <a:rPr lang="en-US" sz="2400" dirty="0">
+                <a:solidFill>
+                  <a:schemeClr val="accent6">
+                    <a:lumMod val="60000"/>
+                    <a:lumOff val="40000"/>
+                  </a:schemeClr>
+                </a:solidFill>
+              </a:rPr>
+              <a:t> </a:t>
+            </a:r>
+          </a:p>
+          <a:p>
+            <a:r>
+              <a:rPr lang="en-US" sz="2400" dirty="0">
+                <a:solidFill>
+                  <a:schemeClr val="accent6">
+                    <a:lumMod val="60000"/>
+                    <a:lumOff val="40000"/>
+                  </a:schemeClr>
+                </a:solidFill>
+              </a:rPr>
+              <a:t>Now convert:</a:t>
+            </a:r>
+          </a:p>
+          <a:p>
+            <a:r>
+              <a:rPr lang="en-US" sz="2400" dirty="0">
+                <a:solidFill>
+                  <a:schemeClr val="accent6">
+                    <a:lumMod val="60000"/>
+                    <a:lumOff val="40000"/>
+                  </a:schemeClr>
+                </a:solidFill>
+              </a:rPr>
+              <a:t>Input: I hate rainy days.</a:t>
+            </a:r>
+          </a:p>
+          <a:p>
+            <a:r>
+              <a:rPr lang="en-US" sz="2400" dirty="0">
+                <a:solidFill>
+                  <a:schemeClr val="accent6">
+                    <a:lumMod val="60000"/>
+                    <a:lumOff val="40000"/>
+                  </a:schemeClr>
+                </a:solidFill>
+              </a:rPr>
+              <a:t>Output:</a:t>
+            </a:r>
+          </a:p>
+          <a:p>
+            <a:endParaRPr lang="en-US" sz="2400" dirty="0">
+              <a:solidFill>
+                <a:schemeClr val="accent6">
+                  <a:lumMod val="60000"/>
+                  <a:lumOff val="40000"/>
+                </a:schemeClr>
+              </a:solidFill>
+            </a:endParaRPr>
+          </a:p>
+          <a:p>
+            <a:r>
+              <a:rPr lang="en-US" sz="2400" dirty="0">
+                <a:solidFill>
+                  <a:schemeClr val="accent6">
+                    <a:lumMod val="60000"/>
+                    <a:lumOff val="40000"/>
+                  </a:schemeClr>
+                </a:solidFill>
+              </a:rPr>
+              <a:t>AI is now more likely to follow the pattern.</a:t>
+            </a:r>
+          </a:p>
+          <a:p>
+            <a:r>
+              <a:rPr lang="en-US" sz="2400" dirty="0">
+                <a:solidFill>
+                  <a:schemeClr val="accent6">
+                    <a:lumMod val="60000"/>
+                    <a:lumOff val="40000"/>
+                  </a:schemeClr>
+                </a:solidFill>
+              </a:rPr>
+              <a:t> </a:t>
+            </a:r>
+          </a:p>
+        </p:txBody>
+      </p:sp>
+    </p:spTree>
+    <p:extLst>
+      <p:ext uri="{BB962C8B-B14F-4D97-AF65-F5344CB8AC3E}">
+        <p14:creationId xmlns:p14="http://schemas.microsoft.com/office/powerpoint/2010/main" val="1798049086"/>
+      </p:ext>
+    </p:extLst>
+  </p:cSld>
+  <p:clrMapOvr>
+    <a:masterClrMapping/>
+  </p:clrMapOvr>
+</p:sld>
+</file>
+
+<file path=ppt/slides/slide6.xml><?xml version="1.0" encoding="utf-8"?>
+<p:sld xmlns:a="http://schemas.openxmlformats.org/drawingml/2006/main" xmlns:r="http://schemas.openxmlformats.org/officeDocument/2006/relationships" xmlns:p="http://schemas.openxmlformats.org/presentationml/2006/main">
+  <p:cSld>
+    <p:spTree>
+      <p:nvGrpSpPr>
+        <p:cNvPr id="1" name="">
+          <a:extLst>
+            <a:ext uri="{FF2B5EF4-FFF2-40B4-BE49-F238E27FC236}">
+              <a16:creationId xmlns:a16="http://schemas.microsoft.com/office/drawing/2014/main" id="{D02DF787-DC16-D58B-A611-151645A7F8AB}"/>
+            </a:ext>
+          </a:extLst>
+        </p:cNvPr>
+        <p:cNvGrpSpPr/>
+        <p:nvPr/>
+      </p:nvGrpSpPr>
+      <p:grpSpPr>
+        <a:xfrm>
+          <a:off x="0" y="0"/>
+          <a:ext cx="0" cy="0"/>
+          <a:chOff x="0" y="0"/>
+          <a:chExt cx="0" cy="0"/>
+        </a:xfrm>
+      </p:grpSpPr>
+      <p:sp>
+        <p:nvSpPr>
+          <p:cNvPr id="4" name="TextBox 3">
+            <a:extLst>
+              <a:ext uri="{FF2B5EF4-FFF2-40B4-BE49-F238E27FC236}">
+                <a16:creationId xmlns:a16="http://schemas.microsoft.com/office/drawing/2014/main" id="{F6AE7996-6609-A283-5CAE-229A6D451206}"/>
+              </a:ext>
+            </a:extLst>
+          </p:cNvPr>
+          <p:cNvSpPr txBox="1"/>
+          <p:nvPr/>
+        </p:nvSpPr>
+        <p:spPr>
+          <a:xfrm>
+            <a:off x="594360" y="312874"/>
+            <a:ext cx="10780776" cy="6001643"/>
+          </a:xfrm>
+          <a:prstGeom prst="rect">
+            <a:avLst/>
+          </a:prstGeom>
+          <a:noFill/>
+        </p:spPr>
+        <p:txBody>
+          <a:bodyPr wrap="square">
+            <a:spAutoFit/>
+          </a:bodyPr>
+          <a:lstStyle/>
+          <a:p>
+            <a:r>
+              <a:rPr lang="en-US" sz="2400" b="1" dirty="0">
+                <a:solidFill>
+                  <a:schemeClr val="accent6">
+                    <a:lumMod val="60000"/>
+                    <a:lumOff val="40000"/>
+                  </a:schemeClr>
+                </a:solidFill>
+              </a:rPr>
+              <a:t>Example With Few-Shot Prompting</a:t>
+            </a:r>
+            <a:endParaRPr lang="en-US" sz="2400" dirty="0">
+              <a:solidFill>
+                <a:schemeClr val="accent6">
+                  <a:lumMod val="60000"/>
+                  <a:lumOff val="40000"/>
+                </a:schemeClr>
+              </a:solidFill>
+            </a:endParaRPr>
+          </a:p>
+          <a:p>
+            <a:endParaRPr lang="en-US" sz="2400" dirty="0">
+              <a:solidFill>
+                <a:schemeClr val="accent6">
+                  <a:lumMod val="60000"/>
+                  <a:lumOff val="40000"/>
+                </a:schemeClr>
+              </a:solidFill>
+            </a:endParaRPr>
+          </a:p>
+          <a:p>
+            <a:r>
+              <a:rPr lang="en-US" sz="2400" dirty="0">
+                <a:solidFill>
+                  <a:schemeClr val="accent6">
+                    <a:lumMod val="60000"/>
+                    <a:lumOff val="40000"/>
+                  </a:schemeClr>
+                </a:solidFill>
+              </a:rPr>
+              <a:t>Prompt: "Categorize the sentiment of customer reviews based on the examples below.</a:t>
+            </a:r>
+          </a:p>
+          <a:p>
+            <a:endParaRPr lang="en-US" sz="2400" dirty="0">
+              <a:solidFill>
+                <a:schemeClr val="accent6">
+                  <a:lumMod val="60000"/>
+                  <a:lumOff val="40000"/>
+                </a:schemeClr>
+              </a:solidFill>
+            </a:endParaRPr>
+          </a:p>
+          <a:p>
+            <a:r>
+              <a:rPr lang="en-US" sz="2400" dirty="0">
+                <a:solidFill>
+                  <a:schemeClr val="accent6">
+                    <a:lumMod val="60000"/>
+                    <a:lumOff val="40000"/>
+                  </a:schemeClr>
+                </a:solidFill>
+              </a:rPr>
+              <a:t>Review: The interface is confusing and slow.</a:t>
+            </a:r>
+          </a:p>
+          <a:p>
+            <a:r>
+              <a:rPr lang="en-US" sz="2400" dirty="0">
+                <a:solidFill>
+                  <a:schemeClr val="accent6">
+                    <a:lumMod val="60000"/>
+                    <a:lumOff val="40000"/>
+                  </a:schemeClr>
+                </a:solidFill>
+              </a:rPr>
+              <a:t>Sentiment: Negative</a:t>
+            </a:r>
+          </a:p>
+          <a:p>
+            <a:endParaRPr lang="en-US" sz="2400" dirty="0">
+              <a:solidFill>
+                <a:schemeClr val="accent6">
+                  <a:lumMod val="60000"/>
+                  <a:lumOff val="40000"/>
+                </a:schemeClr>
+              </a:solidFill>
+            </a:endParaRPr>
+          </a:p>
+          <a:p>
+            <a:r>
+              <a:rPr lang="en-US" sz="2400" dirty="0">
+                <a:solidFill>
+                  <a:schemeClr val="accent6">
+                    <a:lumMod val="60000"/>
+                    <a:lumOff val="40000"/>
+                  </a:schemeClr>
+                </a:solidFill>
+              </a:rPr>
+              <a:t>Review: I absolutely love the new design, it's so sleek!</a:t>
+            </a:r>
+          </a:p>
+          <a:p>
+            <a:r>
+              <a:rPr lang="en-US" sz="2400" dirty="0">
+                <a:solidFill>
+                  <a:schemeClr val="accent6">
+                    <a:lumMod val="60000"/>
+                    <a:lumOff val="40000"/>
+                  </a:schemeClr>
+                </a:solidFill>
+              </a:rPr>
+              <a:t>Sentiment: Positive</a:t>
+            </a:r>
+          </a:p>
+          <a:p>
+            <a:endParaRPr lang="en-US" sz="2400" dirty="0">
+              <a:solidFill>
+                <a:schemeClr val="accent6">
+                  <a:lumMod val="60000"/>
+                  <a:lumOff val="40000"/>
+                </a:schemeClr>
+              </a:solidFill>
+            </a:endParaRPr>
+          </a:p>
+          <a:p>
+            <a:r>
+              <a:rPr lang="en-US" sz="2400" dirty="0">
+                <a:solidFill>
+                  <a:schemeClr val="accent6">
+                    <a:lumMod val="60000"/>
+                    <a:lumOff val="40000"/>
+                  </a:schemeClr>
+                </a:solidFill>
+              </a:rPr>
+              <a:t>Review: It arrived on time and works as expected.</a:t>
+            </a:r>
+          </a:p>
+          <a:p>
+            <a:r>
+              <a:rPr lang="en-US" sz="2400" dirty="0">
+                <a:solidFill>
+                  <a:schemeClr val="accent6">
+                    <a:lumMod val="60000"/>
+                    <a:lumOff val="40000"/>
+                  </a:schemeClr>
+                </a:solidFill>
+              </a:rPr>
+              <a:t>Sentiment: Neutral</a:t>
+            </a:r>
+          </a:p>
+          <a:p>
+            <a:endParaRPr lang="en-US" sz="2400" dirty="0">
+              <a:solidFill>
+                <a:schemeClr val="accent6">
+                  <a:lumMod val="60000"/>
+                  <a:lumOff val="40000"/>
+                </a:schemeClr>
+              </a:solidFill>
+            </a:endParaRPr>
+          </a:p>
+          <a:p>
+            <a:r>
+              <a:rPr lang="en-US" sz="2400" dirty="0">
+                <a:solidFill>
+                  <a:schemeClr val="accent6">
+                    <a:lumMod val="60000"/>
+                    <a:lumOff val="40000"/>
+                  </a:schemeClr>
+                </a:solidFill>
+              </a:rPr>
+              <a:t>Review: The battery life is terrible.</a:t>
+            </a:r>
+          </a:p>
+          <a:p>
+            <a:r>
+              <a:rPr lang="en-US" sz="2400" dirty="0">
+                <a:solidFill>
+                  <a:schemeClr val="accent6">
+                    <a:lumMod val="60000"/>
+                    <a:lumOff val="40000"/>
+                  </a:schemeClr>
+                </a:solidFill>
+              </a:rPr>
+              <a:t>Sentiment:"</a:t>
+            </a:r>
+          </a:p>
+        </p:txBody>
+      </p:sp>
+    </p:spTree>
+    <p:extLst>
+      <p:ext uri="{BB962C8B-B14F-4D97-AF65-F5344CB8AC3E}">
+        <p14:creationId xmlns:p14="http://schemas.microsoft.com/office/powerpoint/2010/main" val="3687473578"/>
+      </p:ext>
+    </p:extLst>
+  </p:cSld>
+  <p:clrMapOvr>
+    <a:masterClrMapping/>
+  </p:clrMapOvr>
+</p:sld>
+</file>
+
+<file path=ppt/slides/slide7.xml><?xml version="1.0" encoding="utf-8"?>
+<p:sld xmlns:a="http://schemas.openxmlformats.org/drawingml/2006/main" xmlns:r="http://schemas.openxmlformats.org/officeDocument/2006/relationships" xmlns:p="http://schemas.openxmlformats.org/presentationml/2006/main">
+  <p:cSld>
+    <p:spTree>
+      <p:nvGrpSpPr>
+        <p:cNvPr id="1" name="">
+          <a:extLst>
+            <a:ext uri="{FF2B5EF4-FFF2-40B4-BE49-F238E27FC236}">
+              <a16:creationId xmlns:a16="http://schemas.microsoft.com/office/drawing/2014/main" id="{E56EE8FD-19B3-8712-8149-244445476438}"/>
+            </a:ext>
+          </a:extLst>
+        </p:cNvPr>
+        <p:cNvGrpSpPr/>
+        <p:nvPr/>
+      </p:nvGrpSpPr>
+      <p:grpSpPr>
+        <a:xfrm>
+          <a:off x="0" y="0"/>
+          <a:ext cx="0" cy="0"/>
+          <a:chOff x="0" y="0"/>
+          <a:chExt cx="0" cy="0"/>
+        </a:xfrm>
+      </p:grpSpPr>
+      <p:sp>
+        <p:nvSpPr>
+          <p:cNvPr id="4" name="TextBox 3">
+            <a:extLst>
+              <a:ext uri="{FF2B5EF4-FFF2-40B4-BE49-F238E27FC236}">
+                <a16:creationId xmlns:a16="http://schemas.microsoft.com/office/drawing/2014/main" id="{79549B8E-0FAD-4816-01A2-28222DCC5CB1}"/>
+              </a:ext>
+            </a:extLst>
+          </p:cNvPr>
+          <p:cNvSpPr txBox="1"/>
+          <p:nvPr/>
+        </p:nvSpPr>
+        <p:spPr>
+          <a:xfrm>
+            <a:off x="594360" y="312874"/>
+            <a:ext cx="10780776" cy="2308324"/>
+          </a:xfrm>
+          <a:prstGeom prst="rect">
+            <a:avLst/>
+          </a:prstGeom>
+          <a:noFill/>
+        </p:spPr>
+        <p:txBody>
+          <a:bodyPr wrap="square">
+            <a:spAutoFit/>
+          </a:bodyPr>
+          <a:lstStyle/>
+          <a:p>
+            <a:r>
+              <a:rPr lang="en-US" sz="2400" b="1" dirty="0">
+                <a:solidFill>
+                  <a:schemeClr val="accent6">
+                    <a:lumMod val="60000"/>
+                    <a:lumOff val="40000"/>
+                  </a:schemeClr>
+                </a:solidFill>
+              </a:rPr>
+              <a:t>Why Few-Shot Prompting is Important</a:t>
+            </a:r>
+          </a:p>
+          <a:p>
+            <a:endParaRPr lang="en-US" sz="2400" dirty="0">
+              <a:solidFill>
+                <a:schemeClr val="accent6">
+                  <a:lumMod val="60000"/>
+                  <a:lumOff val="40000"/>
+                </a:schemeClr>
+              </a:solidFill>
+            </a:endParaRPr>
+          </a:p>
+          <a:p>
+            <a:r>
+              <a:rPr lang="en-US" sz="2400" dirty="0">
+                <a:solidFill>
+                  <a:schemeClr val="accent6">
+                    <a:lumMod val="60000"/>
+                    <a:lumOff val="40000"/>
+                  </a:schemeClr>
+                </a:solidFill>
+              </a:rPr>
+              <a:t>AI models learn patterns very effectively. When we provide examples:</a:t>
+            </a:r>
+          </a:p>
+          <a:p>
+            <a:pPr lvl="0"/>
+            <a:endParaRPr lang="en-US" sz="2400" dirty="0">
+              <a:solidFill>
+                <a:schemeClr val="accent6">
+                  <a:lumMod val="60000"/>
+                  <a:lumOff val="40000"/>
+                </a:schemeClr>
+              </a:solidFill>
+            </a:endParaRPr>
+          </a:p>
+          <a:p>
+            <a:pPr marL="342900" indent="-342900">
+              <a:buFont typeface="Arial" panose="020B0604020202020204" pitchFamily="34" charset="0"/>
+              <a:buChar char="•"/>
+            </a:pPr>
+            <a:r>
+              <a:rPr lang="en-US" sz="2400" dirty="0">
+                <a:solidFill>
+                  <a:schemeClr val="accent6">
+                    <a:lumMod val="60000"/>
+                    <a:lumOff val="40000"/>
+                  </a:schemeClr>
+                </a:solidFill>
+              </a:rPr>
+              <a:t>AI understands formatting better: AI adapts to specific styles or formats</a:t>
+            </a:r>
+          </a:p>
+          <a:p>
+            <a:pPr marL="342900" lvl="0" indent="-342900">
+              <a:buFont typeface="Arial" panose="020B0604020202020204" pitchFamily="34" charset="0"/>
+              <a:buChar char="•"/>
+            </a:pPr>
+            <a:r>
+              <a:rPr lang="en-US" sz="2400" dirty="0">
+                <a:solidFill>
+                  <a:schemeClr val="accent6">
+                    <a:lumMod val="60000"/>
+                    <a:lumOff val="40000"/>
+                  </a:schemeClr>
+                </a:solidFill>
+              </a:rPr>
+              <a:t>AI maintains consistency and  produces more accurate responses</a:t>
+            </a:r>
+          </a:p>
+        </p:txBody>
+      </p:sp>
+    </p:spTree>
+    <p:extLst>
+      <p:ext uri="{BB962C8B-B14F-4D97-AF65-F5344CB8AC3E}">
+        <p14:creationId xmlns:p14="http://schemas.microsoft.com/office/powerpoint/2010/main" val="497885"/>
+      </p:ext>
+    </p:extLst>
+  </p:cSld>
+  <p:clrMapOvr>
+    <a:masterClrMapping/>
+  </p:clrMapOvr>
+</p:sld>
+</file>
+
+<file path=ppt/slides/slide8.xml><?xml version="1.0" encoding="utf-8"?>
+<p:sld xmlns:a="http://schemas.openxmlformats.org/drawingml/2006/main" xmlns:r="http://schemas.openxmlformats.org/officeDocument/2006/relationships" xmlns:p="http://schemas.openxmlformats.org/presentationml/2006/main">
+  <p:cSld>
+    <p:spTree>
+      <p:nvGrpSpPr>
+        <p:cNvPr id="1" name="">
+          <a:extLst>
+            <a:ext uri="{FF2B5EF4-FFF2-40B4-BE49-F238E27FC236}">
+              <a16:creationId xmlns:a16="http://schemas.microsoft.com/office/drawing/2014/main" id="{8BC9A02F-A3ED-C438-623D-4A48D2AF085F}"/>
+            </a:ext>
+          </a:extLst>
+        </p:cNvPr>
+        <p:cNvGrpSpPr/>
+        <p:nvPr/>
+      </p:nvGrpSpPr>
+      <p:grpSpPr>
+        <a:xfrm>
+          <a:off x="0" y="0"/>
+          <a:ext cx="0" cy="0"/>
+          <a:chOff x="0" y="0"/>
+          <a:chExt cx="0" cy="0"/>
+        </a:xfrm>
+      </p:grpSpPr>
+      <p:sp>
+        <p:nvSpPr>
+          <p:cNvPr id="4" name="TextBox 3">
+            <a:extLst>
+              <a:ext uri="{FF2B5EF4-FFF2-40B4-BE49-F238E27FC236}">
+                <a16:creationId xmlns:a16="http://schemas.microsoft.com/office/drawing/2014/main" id="{CD006E6F-1F15-33BC-3C50-65F78C977C21}"/>
+              </a:ext>
+            </a:extLst>
+          </p:cNvPr>
+          <p:cNvSpPr txBox="1"/>
+          <p:nvPr/>
+        </p:nvSpPr>
+        <p:spPr>
+          <a:xfrm>
+            <a:off x="182880" y="312874"/>
+            <a:ext cx="11713464" cy="4154984"/>
+          </a:xfrm>
+          <a:prstGeom prst="rect">
+            <a:avLst/>
+          </a:prstGeom>
+          <a:noFill/>
+        </p:spPr>
+        <p:txBody>
+          <a:bodyPr wrap="square">
+            <a:spAutoFit/>
+          </a:bodyPr>
+          <a:lstStyle/>
+          <a:p>
+            <a:r>
+              <a:rPr lang="en-US" sz="2400" b="1" dirty="0">
+                <a:solidFill>
+                  <a:schemeClr val="accent6">
+                    <a:lumMod val="60000"/>
+                    <a:lumOff val="40000"/>
+                  </a:schemeClr>
+                </a:solidFill>
+              </a:rPr>
+              <a:t>2. Chain-of-Thought (</a:t>
+            </a:r>
+            <a:r>
+              <a:rPr lang="en-US" sz="2400" b="1" dirty="0" err="1">
+                <a:solidFill>
+                  <a:schemeClr val="accent6">
+                    <a:lumMod val="60000"/>
+                    <a:lumOff val="40000"/>
+                  </a:schemeClr>
+                </a:solidFill>
+              </a:rPr>
+              <a:t>CoT</a:t>
+            </a:r>
+            <a:r>
+              <a:rPr lang="en-US" sz="2400" b="1" dirty="0">
+                <a:solidFill>
+                  <a:schemeClr val="accent6">
+                    <a:lumMod val="60000"/>
+                    <a:lumOff val="40000"/>
+                  </a:schemeClr>
+                </a:solidFill>
+              </a:rPr>
+              <a:t>) Prompting – Making AI Show Its Reasoning</a:t>
+            </a:r>
+          </a:p>
+          <a:p>
+            <a:endParaRPr lang="en-US" sz="2400" dirty="0">
+              <a:solidFill>
+                <a:schemeClr val="accent6">
+                  <a:lumMod val="60000"/>
+                  <a:lumOff val="40000"/>
+                </a:schemeClr>
+              </a:solidFill>
+            </a:endParaRPr>
+          </a:p>
+          <a:p>
+            <a:r>
+              <a:rPr lang="en-US" sz="2400" b="1" dirty="0">
+                <a:solidFill>
+                  <a:schemeClr val="accent6">
+                    <a:lumMod val="60000"/>
+                    <a:lumOff val="40000"/>
+                  </a:schemeClr>
+                </a:solidFill>
+              </a:rPr>
+              <a:t>What is Chain-of-Thought Prompting?</a:t>
+            </a:r>
+            <a:endParaRPr lang="en-US" sz="2400" dirty="0">
+              <a:solidFill>
+                <a:schemeClr val="accent6">
+                  <a:lumMod val="60000"/>
+                  <a:lumOff val="40000"/>
+                </a:schemeClr>
+              </a:solidFill>
+            </a:endParaRPr>
+          </a:p>
+          <a:p>
+            <a:r>
+              <a:rPr lang="en-US" sz="2400" dirty="0">
+                <a:solidFill>
+                  <a:schemeClr val="accent6">
+                    <a:lumMod val="60000"/>
+                    <a:lumOff val="40000"/>
+                  </a:schemeClr>
+                </a:solidFill>
+              </a:rPr>
+              <a:t>Chain-of-Thought Prompting is a technique where we ask AI to </a:t>
+            </a:r>
+            <a:r>
+              <a:rPr lang="en-US" sz="2400" b="1" dirty="0">
+                <a:solidFill>
+                  <a:schemeClr val="accent6">
+                    <a:lumMod val="60000"/>
+                    <a:lumOff val="40000"/>
+                  </a:schemeClr>
+                </a:solidFill>
+              </a:rPr>
+              <a:t>explain its reasoning step-by-step</a:t>
+            </a:r>
+            <a:r>
+              <a:rPr lang="en-US" sz="2400" dirty="0">
+                <a:solidFill>
+                  <a:schemeClr val="accent6">
+                    <a:lumMod val="60000"/>
+                    <a:lumOff val="40000"/>
+                  </a:schemeClr>
+                </a:solidFill>
+              </a:rPr>
+              <a:t> before giving the final answer.</a:t>
+            </a:r>
+          </a:p>
+          <a:p>
+            <a:endParaRPr lang="en-US" sz="2400" dirty="0">
+              <a:solidFill>
+                <a:schemeClr val="accent6">
+                  <a:lumMod val="60000"/>
+                  <a:lumOff val="40000"/>
+                </a:schemeClr>
+              </a:solidFill>
+            </a:endParaRPr>
+          </a:p>
+          <a:p>
+            <a:r>
+              <a:rPr lang="en-US" sz="2400" dirty="0">
+                <a:solidFill>
+                  <a:schemeClr val="accent6">
+                    <a:lumMod val="60000"/>
+                    <a:lumOff val="40000"/>
+                  </a:schemeClr>
+                </a:solidFill>
+              </a:rPr>
+              <a:t>This method improves accuracy, especially in:</a:t>
+            </a:r>
+          </a:p>
+          <a:p>
+            <a:pPr marL="342900" lvl="0" indent="-342900">
+              <a:buFont typeface="Arial" panose="020B0604020202020204" pitchFamily="34" charset="0"/>
+              <a:buChar char="•"/>
+            </a:pPr>
+            <a:r>
+              <a:rPr lang="en-US" sz="2400" dirty="0">
+                <a:solidFill>
+                  <a:schemeClr val="accent6">
+                    <a:lumMod val="60000"/>
+                    <a:lumOff val="40000"/>
+                  </a:schemeClr>
+                </a:solidFill>
+              </a:rPr>
+              <a:t>Logical problems: Coding</a:t>
+            </a:r>
+          </a:p>
+          <a:p>
+            <a:pPr marL="342900" lvl="0" indent="-342900">
+              <a:buFont typeface="Arial" panose="020B0604020202020204" pitchFamily="34" charset="0"/>
+              <a:buChar char="•"/>
+            </a:pPr>
+            <a:r>
+              <a:rPr lang="en-US" sz="2400" dirty="0">
+                <a:solidFill>
+                  <a:schemeClr val="accent6">
+                    <a:lumMod val="60000"/>
+                    <a:lumOff val="40000"/>
+                  </a:schemeClr>
+                </a:solidFill>
+              </a:rPr>
+              <a:t>Mathematical calculations</a:t>
+            </a:r>
+          </a:p>
+          <a:p>
+            <a:pPr marL="342900" lvl="0" indent="-342900">
+              <a:buFont typeface="Arial" panose="020B0604020202020204" pitchFamily="34" charset="0"/>
+              <a:buChar char="•"/>
+            </a:pPr>
+            <a:r>
+              <a:rPr lang="en-US" sz="2400" dirty="0">
+                <a:solidFill>
+                  <a:schemeClr val="accent6">
+                    <a:lumMod val="60000"/>
+                    <a:lumOff val="40000"/>
+                  </a:schemeClr>
+                </a:solidFill>
+              </a:rPr>
+              <a:t>Complex reasoning tasks</a:t>
+            </a:r>
+          </a:p>
+          <a:p>
+            <a:pPr marL="342900" lvl="0" indent="-342900">
+              <a:buFont typeface="Arial" panose="020B0604020202020204" pitchFamily="34" charset="0"/>
+              <a:buChar char="•"/>
+            </a:pPr>
+            <a:r>
+              <a:rPr lang="en-US" sz="2400" dirty="0">
+                <a:solidFill>
+                  <a:schemeClr val="accent6">
+                    <a:lumMod val="60000"/>
+                    <a:lumOff val="40000"/>
+                  </a:schemeClr>
+                </a:solidFill>
+              </a:rPr>
+              <a:t>Decision making and Data analysis</a:t>
+            </a:r>
+          </a:p>
+        </p:txBody>
+      </p:sp>
+    </p:spTree>
+    <p:extLst>
+      <p:ext uri="{BB962C8B-B14F-4D97-AF65-F5344CB8AC3E}">
+        <p14:creationId xmlns:p14="http://schemas.microsoft.com/office/powerpoint/2010/main" val="3744897643"/>
+      </p:ext>
+    </p:extLst>
+  </p:cSld>
+  <p:clrMapOvr>
+    <a:masterClrMapping/>
+  </p:clrMapOvr>
+</p:sld>
+</file>
+
+<file path=ppt/slides/slide9.xml><?xml version="1.0" encoding="utf-8"?>
+<p:sld xmlns:a="http://schemas.openxmlformats.org/drawingml/2006/main" xmlns:r="http://schemas.openxmlformats.org/officeDocument/2006/relationships" xmlns:p="http://schemas.openxmlformats.org/presentationml/2006/main">
+  <p:cSld>
+    <p:spTree>
+      <p:nvGrpSpPr>
+        <p:cNvPr id="1" name="">
+          <a:extLst>
+            <a:ext uri="{FF2B5EF4-FFF2-40B4-BE49-F238E27FC236}">
+              <a16:creationId xmlns:a16="http://schemas.microsoft.com/office/drawing/2014/main" id="{9DAEE51F-2C4A-B8DB-AE64-5D165D9302F0}"/>
+            </a:ext>
+          </a:extLst>
+        </p:cNvPr>
+        <p:cNvGrpSpPr/>
+        <p:nvPr/>
+      </p:nvGrpSpPr>
+      <p:grpSpPr>
+        <a:xfrm>
+          <a:off x="0" y="0"/>
+          <a:ext cx="0" cy="0"/>
+          <a:chOff x="0" y="0"/>
+          <a:chExt cx="0" cy="0"/>
+        </a:xfrm>
+      </p:grpSpPr>
+      <p:sp>
+        <p:nvSpPr>
+          <p:cNvPr id="4" name="TextBox 3">
+            <a:extLst>
+              <a:ext uri="{FF2B5EF4-FFF2-40B4-BE49-F238E27FC236}">
+                <a16:creationId xmlns:a16="http://schemas.microsoft.com/office/drawing/2014/main" id="{68BB666D-C6E0-6E80-4912-C568D3ABC308}"/>
+              </a:ext>
+            </a:extLst>
+          </p:cNvPr>
+          <p:cNvSpPr txBox="1"/>
+          <p:nvPr/>
+        </p:nvSpPr>
+        <p:spPr>
+          <a:xfrm>
+            <a:off x="182880" y="312874"/>
+            <a:ext cx="11713464" cy="3046988"/>
+          </a:xfrm>
+          <a:prstGeom prst="rect">
+            <a:avLst/>
+          </a:prstGeom>
+          <a:noFill/>
+        </p:spPr>
+        <p:txBody>
+          <a:bodyPr wrap="square">
+            <a:spAutoFit/>
+          </a:bodyPr>
+          <a:lstStyle/>
+          <a:p>
+            <a:r>
+              <a:rPr lang="en-US" sz="2400" b="1" dirty="0">
+                <a:solidFill>
+                  <a:schemeClr val="accent6">
+                    <a:lumMod val="60000"/>
+                    <a:lumOff val="40000"/>
+                  </a:schemeClr>
+                </a:solidFill>
+              </a:rPr>
+              <a:t>Example Without Chain-of-Thought</a:t>
+            </a:r>
+          </a:p>
+          <a:p>
+            <a:endParaRPr lang="en-US" sz="2400" dirty="0">
+              <a:solidFill>
+                <a:schemeClr val="accent6">
+                  <a:lumMod val="60000"/>
+                  <a:lumOff val="40000"/>
+                </a:schemeClr>
+              </a:solidFill>
+            </a:endParaRPr>
+          </a:p>
+          <a:p>
+            <a:r>
+              <a:rPr lang="en-US" sz="2400" dirty="0">
+                <a:solidFill>
+                  <a:schemeClr val="accent6">
+                    <a:lumMod val="60000"/>
+                    <a:lumOff val="40000"/>
+                  </a:schemeClr>
+                </a:solidFill>
+              </a:rPr>
+              <a:t>Prompt:</a:t>
+            </a:r>
+          </a:p>
+          <a:p>
+            <a:r>
+              <a:rPr lang="en-US" sz="2400" dirty="0">
+                <a:solidFill>
+                  <a:schemeClr val="accent6">
+                    <a:lumMod val="60000"/>
+                    <a:lumOff val="40000"/>
+                  </a:schemeClr>
+                </a:solidFill>
+              </a:rPr>
+              <a:t>If a train travels 60 km in 1 hour, how far will it travel in 3 hours?</a:t>
+            </a:r>
+          </a:p>
+          <a:p>
+            <a:endParaRPr lang="en-US" sz="2400" dirty="0">
+              <a:solidFill>
+                <a:schemeClr val="accent6">
+                  <a:lumMod val="60000"/>
+                  <a:lumOff val="40000"/>
+                </a:schemeClr>
+              </a:solidFill>
+            </a:endParaRPr>
+          </a:p>
+          <a:p>
+            <a:endParaRPr lang="en-US" sz="2400" dirty="0">
+              <a:solidFill>
+                <a:schemeClr val="accent6">
+                  <a:lumMod val="60000"/>
+                  <a:lumOff val="40000"/>
+                </a:schemeClr>
+              </a:solidFill>
+            </a:endParaRPr>
+          </a:p>
+          <a:p>
+            <a:r>
+              <a:rPr lang="en-US" sz="2400" dirty="0">
+                <a:solidFill>
+                  <a:schemeClr val="accent6">
+                    <a:lumMod val="60000"/>
+                    <a:lumOff val="40000"/>
+                  </a:schemeClr>
+                </a:solidFill>
+              </a:rPr>
+              <a:t>AI may directly give the answer:</a:t>
+            </a:r>
+          </a:p>
+          <a:p>
+            <a:r>
+              <a:rPr lang="en-US" sz="2400" dirty="0">
+                <a:solidFill>
+                  <a:schemeClr val="accent6">
+                    <a:lumMod val="60000"/>
+                    <a:lumOff val="40000"/>
+                  </a:schemeClr>
+                </a:solidFill>
+              </a:rPr>
+              <a:t>180 km</a:t>
+            </a:r>
+          </a:p>
+        </p:txBody>
+      </p:sp>
+    </p:spTree>
+    <p:extLst>
+      <p:ext uri="{BB962C8B-B14F-4D97-AF65-F5344CB8AC3E}">
+        <p14:creationId xmlns:p14="http://schemas.microsoft.com/office/powerpoint/2010/main" val="159599695"/>
       </p:ext>
     </p:extLst>
   </p:cSld>
